--- a/Lecture Slides/VideoLectureSlides/7.1.pptx
+++ b/Lecture Slides/VideoLectureSlides/7.1.pptx
@@ -5,7 +5,7 @@
     <p:sldMasterId id="2147483660" r:id="rId4"/>
   </p:sldMasterIdLst>
   <p:notesMasterIdLst>
-    <p:notesMasterId r:id="rId15"/>
+    <p:notesMasterId r:id="rId17"/>
   </p:notesMasterIdLst>
   <p:sldIdLst>
     <p:sldId id="256" r:id="rId5"/>
@@ -18,6 +18,8 @@
     <p:sldId id="266" r:id="rId12"/>
     <p:sldId id="267" r:id="rId13"/>
     <p:sldId id="268" r:id="rId14"/>
+    <p:sldId id="290" r:id="rId15"/>
+    <p:sldId id="289" r:id="rId16"/>
   </p:sldIdLst>
   <p:sldSz cx="9144000" cy="6858000" type="screen4x3"/>
   <p:notesSz cx="6858000" cy="9144000"/>
@@ -159,38 +161,6 @@
 
 <file path=ppt/changesInfos/changesInfo1.xml><?xml version="1.0" encoding="utf-8"?>
 <pc:chgInfo xmlns:a="http://schemas.openxmlformats.org/drawingml/2006/main" xmlns:r="http://schemas.openxmlformats.org/officeDocument/2006/relationships" xmlns:ac="http://schemas.microsoft.com/office/drawing/2013/main/command" xmlns:pc="http://schemas.microsoft.com/office/powerpoint/2013/main/command">
-  <pc:docChgLst>
-    <pc:chgData name="Moore, Jacob Preston" userId="fdd3fd0f-c483-48c9-988d-7deb216763fd" providerId="ADAL" clId="{572D4819-7AEF-431D-9FF4-AE108E9B9531}"/>
-    <pc:docChg chg="modSld">
-      <pc:chgData name="Moore, Jacob Preston" userId="fdd3fd0f-c483-48c9-988d-7deb216763fd" providerId="ADAL" clId="{572D4819-7AEF-431D-9FF4-AE108E9B9531}" dt="2020-11-28T15:16:56.448" v="1" actId="1076"/>
-      <pc:docMkLst>
-        <pc:docMk/>
-      </pc:docMkLst>
-      <pc:sldChg chg="addSp modSp">
-        <pc:chgData name="Moore, Jacob Preston" userId="fdd3fd0f-c483-48c9-988d-7deb216763fd" providerId="ADAL" clId="{572D4819-7AEF-431D-9FF4-AE108E9B9531}" dt="2020-11-28T15:16:56.448" v="1" actId="1076"/>
-        <pc:sldMkLst>
-          <pc:docMk/>
-          <pc:sldMk cId="1761573408" sldId="264"/>
-        </pc:sldMkLst>
-        <pc:spChg chg="add mod">
-          <ac:chgData name="Moore, Jacob Preston" userId="fdd3fd0f-c483-48c9-988d-7deb216763fd" providerId="ADAL" clId="{572D4819-7AEF-431D-9FF4-AE108E9B9531}" dt="2020-11-28T15:16:56.448" v="1" actId="1076"/>
-          <ac:spMkLst>
-            <pc:docMk/>
-            <pc:sldMk cId="1761573408" sldId="264"/>
-            <ac:spMk id="35" creationId="{DD9A5F0E-C82C-4389-9064-D573A0821B99}"/>
-          </ac:spMkLst>
-        </pc:spChg>
-        <pc:cxnChg chg="add mod">
-          <ac:chgData name="Moore, Jacob Preston" userId="fdd3fd0f-c483-48c9-988d-7deb216763fd" providerId="ADAL" clId="{572D4819-7AEF-431D-9FF4-AE108E9B9531}" dt="2020-11-28T15:16:56.448" v="1" actId="1076"/>
-          <ac:cxnSpMkLst>
-            <pc:docMk/>
-            <pc:sldMk cId="1761573408" sldId="264"/>
-            <ac:cxnSpMk id="34" creationId="{CBAF26E6-2B23-4265-8771-02C21F932C5E}"/>
-          </ac:cxnSpMkLst>
-        </pc:cxnChg>
-      </pc:sldChg>
-    </pc:docChg>
-  </pc:docChgLst>
   <pc:docChgLst>
     <pc:chgData name="Moore, Jacob Preston" userId="fdd3fd0f-c483-48c9-988d-7deb216763fd" providerId="ADAL" clId="{7A94122F-DF8E-44E7-B017-EB0A1E258F7D}"/>
     <pc:docChg chg="undo custSel addSld delSld modSld">
@@ -432,6 +402,38 @@
       </pc:sldChg>
     </pc:docChg>
   </pc:docChgLst>
+  <pc:docChgLst>
+    <pc:chgData name="Moore, Jacob Preston" userId="fdd3fd0f-c483-48c9-988d-7deb216763fd" providerId="ADAL" clId="{572D4819-7AEF-431D-9FF4-AE108E9B9531}"/>
+    <pc:docChg chg="modSld">
+      <pc:chgData name="Moore, Jacob Preston" userId="fdd3fd0f-c483-48c9-988d-7deb216763fd" providerId="ADAL" clId="{572D4819-7AEF-431D-9FF4-AE108E9B9531}" dt="2020-11-28T15:16:56.448" v="1" actId="1076"/>
+      <pc:docMkLst>
+        <pc:docMk/>
+      </pc:docMkLst>
+      <pc:sldChg chg="addSp modSp">
+        <pc:chgData name="Moore, Jacob Preston" userId="fdd3fd0f-c483-48c9-988d-7deb216763fd" providerId="ADAL" clId="{572D4819-7AEF-431D-9FF4-AE108E9B9531}" dt="2020-11-28T15:16:56.448" v="1" actId="1076"/>
+        <pc:sldMkLst>
+          <pc:docMk/>
+          <pc:sldMk cId="1761573408" sldId="264"/>
+        </pc:sldMkLst>
+        <pc:spChg chg="add mod">
+          <ac:chgData name="Moore, Jacob Preston" userId="fdd3fd0f-c483-48c9-988d-7deb216763fd" providerId="ADAL" clId="{572D4819-7AEF-431D-9FF4-AE108E9B9531}" dt="2020-11-28T15:16:56.448" v="1" actId="1076"/>
+          <ac:spMkLst>
+            <pc:docMk/>
+            <pc:sldMk cId="1761573408" sldId="264"/>
+            <ac:spMk id="35" creationId="{DD9A5F0E-C82C-4389-9064-D573A0821B99}"/>
+          </ac:spMkLst>
+        </pc:spChg>
+        <pc:cxnChg chg="add mod">
+          <ac:chgData name="Moore, Jacob Preston" userId="fdd3fd0f-c483-48c9-988d-7deb216763fd" providerId="ADAL" clId="{572D4819-7AEF-431D-9FF4-AE108E9B9531}" dt="2020-11-28T15:16:56.448" v="1" actId="1076"/>
+          <ac:cxnSpMkLst>
+            <pc:docMk/>
+            <pc:sldMk cId="1761573408" sldId="264"/>
+            <ac:cxnSpMk id="34" creationId="{CBAF26E6-2B23-4265-8771-02C21F932C5E}"/>
+          </ac:cxnSpMkLst>
+        </pc:cxnChg>
+      </pc:sldChg>
+    </pc:docChg>
+  </pc:docChgLst>
 </pc:chgInfo>
 </file>
 
@@ -517,7 +519,7 @@
           <a:p>
             <a:fld id="{1AA1AB63-216F-4D5B-8811-CCB935E98D4A}" type="datetimeFigureOut">
               <a:rPr lang="en-US" smtClean="0"/>
-              <a:t>11/28/2020</a:t>
+              <a:t>12/1/2021</a:t>
             </a:fld>
             <a:endParaRPr lang="en-US"/>
           </a:p>
@@ -4157,6 +4159,2423 @@
     <p:extLst>
       <p:ext uri="{BB962C8B-B14F-4D97-AF65-F5344CB8AC3E}">
         <p14:creationId xmlns:p14="http://schemas.microsoft.com/office/powerpoint/2010/main" val="523599034"/>
+      </p:ext>
+    </p:extLst>
+  </p:cSld>
+  <p:clrMapOvr>
+    <a:masterClrMapping/>
+  </p:clrMapOvr>
+</p:sld>
+</file>
+
+<file path=ppt/slides/slide11.xml><?xml version="1.0" encoding="utf-8"?>
+<p:sld xmlns:a="http://schemas.openxmlformats.org/drawingml/2006/main" xmlns:r="http://schemas.openxmlformats.org/officeDocument/2006/relationships" xmlns:p="http://schemas.openxmlformats.org/presentationml/2006/main">
+  <p:cSld>
+    <p:spTree>
+      <p:nvGrpSpPr>
+        <p:cNvPr id="1" name=""/>
+        <p:cNvGrpSpPr/>
+        <p:nvPr/>
+      </p:nvGrpSpPr>
+      <p:grpSpPr>
+        <a:xfrm>
+          <a:off x="0" y="0"/>
+          <a:ext cx="0" cy="0"/>
+          <a:chOff x="0" y="0"/>
+          <a:chExt cx="0" cy="0"/>
+        </a:xfrm>
+      </p:grpSpPr>
+      <p:sp>
+        <p:nvSpPr>
+          <p:cNvPr id="2" name="Title 1">
+            <a:extLst>
+              <a:ext uri="{FF2B5EF4-FFF2-40B4-BE49-F238E27FC236}">
+                <a16:creationId xmlns:a16="http://schemas.microsoft.com/office/drawing/2014/main" id="{F35B9816-3959-4C76-BBA0-7C1C5F0FD946}"/>
+              </a:ext>
+            </a:extLst>
+          </p:cNvPr>
+          <p:cNvSpPr>
+            <a:spLocks noGrp="1"/>
+          </p:cNvSpPr>
+          <p:nvPr>
+            <p:ph type="title"/>
+          </p:nvPr>
+        </p:nvSpPr>
+        <p:spPr/>
+        <p:txBody>
+          <a:bodyPr/>
+          <a:lstStyle/>
+          <a:p>
+            <a:r>
+              <a:rPr lang="en-US" dirty="0"/>
+              <a:t>Friction Worked Example </a:t>
+            </a:r>
+          </a:p>
+        </p:txBody>
+      </p:sp>
+      <p:sp>
+        <p:nvSpPr>
+          <p:cNvPr id="4" name="Slide Number Placeholder 3">
+            <a:extLst>
+              <a:ext uri="{FF2B5EF4-FFF2-40B4-BE49-F238E27FC236}">
+                <a16:creationId xmlns:a16="http://schemas.microsoft.com/office/drawing/2014/main" id="{CD1282E5-230C-4CA3-9BDD-C466BFD6E0FB}"/>
+              </a:ext>
+            </a:extLst>
+          </p:cNvPr>
+          <p:cNvSpPr>
+            <a:spLocks noGrp="1"/>
+          </p:cNvSpPr>
+          <p:nvPr>
+            <p:ph type="sldNum" sz="quarter" idx="12"/>
+          </p:nvPr>
+        </p:nvSpPr>
+        <p:spPr/>
+        <p:txBody>
+          <a:bodyPr/>
+          <a:lstStyle/>
+          <a:p>
+            <a:fld id="{929262FE-7F58-4A1E-8AF3-5A510A86DEBD}" type="slidenum">
+              <a:rPr lang="en-US" smtClean="0"/>
+              <a:t>11</a:t>
+            </a:fld>
+            <a:endParaRPr lang="en-US"/>
+          </a:p>
+        </p:txBody>
+      </p:sp>
+      <p:pic>
+        <p:nvPicPr>
+          <p:cNvPr id="6" name="Picture 2" descr="wheelbarrow tools gardening free photo">
+            <a:extLst>
+              <a:ext uri="{FF2B5EF4-FFF2-40B4-BE49-F238E27FC236}">
+                <a16:creationId xmlns:a16="http://schemas.microsoft.com/office/drawing/2014/main" id="{3B8DB4B4-A82B-4DD8-A0C2-148139F4DB21}"/>
+              </a:ext>
+            </a:extLst>
+          </p:cNvPr>
+          <p:cNvPicPr>
+            <a:picLocks noChangeAspect="1" noChangeArrowheads="1"/>
+          </p:cNvPicPr>
+          <p:nvPr/>
+        </p:nvPicPr>
+        <p:blipFill>
+          <a:blip r:embed="rId2" cstate="print">
+            <a:extLst>
+              <a:ext uri="{28A0092B-C50C-407E-A947-70E740481C1C}">
+                <a14:useLocalDpi xmlns:a14="http://schemas.microsoft.com/office/drawing/2010/main" val="0"/>
+              </a:ext>
+            </a:extLst>
+          </a:blip>
+          <a:srcRect/>
+          <a:stretch>
+            <a:fillRect/>
+          </a:stretch>
+        </p:blipFill>
+        <p:spPr bwMode="auto">
+          <a:xfrm>
+            <a:off x="2312850" y="4072332"/>
+            <a:ext cx="3888886" cy="1944443"/>
+          </a:xfrm>
+          <a:prstGeom prst="rect">
+            <a:avLst/>
+          </a:prstGeom>
+          <a:noFill/>
+          <a:extLst>
+            <a:ext uri="{909E8E84-426E-40DD-AFC4-6F175D3DCCD1}">
+              <a14:hiddenFill xmlns:a14="http://schemas.microsoft.com/office/drawing/2010/main">
+                <a:solidFill>
+                  <a:srgbClr val="FFFFFF"/>
+                </a:solidFill>
+              </a14:hiddenFill>
+            </a:ext>
+          </a:extLst>
+        </p:spPr>
+      </p:pic>
+      <p:sp>
+        <p:nvSpPr>
+          <p:cNvPr id="7" name="Rectangle 6">
+            <a:extLst>
+              <a:ext uri="{FF2B5EF4-FFF2-40B4-BE49-F238E27FC236}">
+                <a16:creationId xmlns:a16="http://schemas.microsoft.com/office/drawing/2014/main" id="{5733D854-CBF0-46B9-A6DF-A88D2899575F}"/>
+              </a:ext>
+            </a:extLst>
+          </p:cNvPr>
+          <p:cNvSpPr/>
+          <p:nvPr/>
+        </p:nvSpPr>
+        <p:spPr>
+          <a:xfrm>
+            <a:off x="0" y="5907571"/>
+            <a:ext cx="9143995" cy="922220"/>
+          </a:xfrm>
+          <a:prstGeom prst="rect">
+            <a:avLst/>
+          </a:prstGeom>
+        </p:spPr>
+        <p:style>
+          <a:lnRef idx="2">
+            <a:schemeClr val="accent3">
+              <a:shade val="50000"/>
+            </a:schemeClr>
+          </a:lnRef>
+          <a:fillRef idx="1">
+            <a:schemeClr val="accent3"/>
+          </a:fillRef>
+          <a:effectRef idx="0">
+            <a:schemeClr val="accent3"/>
+          </a:effectRef>
+          <a:fontRef idx="minor">
+            <a:schemeClr val="lt1"/>
+          </a:fontRef>
+        </p:style>
+        <p:txBody>
+          <a:bodyPr rtlCol="0" anchor="ctr"/>
+          <a:lstStyle/>
+          <a:p>
+            <a:pPr algn="ctr"/>
+            <a:endParaRPr lang="en-US"/>
+          </a:p>
+        </p:txBody>
+      </p:sp>
+      <p:sp>
+        <p:nvSpPr>
+          <p:cNvPr id="8" name="Oval 7">
+            <a:extLst>
+              <a:ext uri="{FF2B5EF4-FFF2-40B4-BE49-F238E27FC236}">
+                <a16:creationId xmlns:a16="http://schemas.microsoft.com/office/drawing/2014/main" id="{23F0F02D-8B08-422D-A1CA-BA2D61662B59}"/>
+              </a:ext>
+            </a:extLst>
+          </p:cNvPr>
+          <p:cNvSpPr/>
+          <p:nvPr/>
+        </p:nvSpPr>
+        <p:spPr>
+          <a:xfrm>
+            <a:off x="4693079" y="4672444"/>
+            <a:ext cx="107521" cy="128156"/>
+          </a:xfrm>
+          <a:prstGeom prst="ellipse">
+            <a:avLst/>
+          </a:prstGeom>
+        </p:spPr>
+        <p:style>
+          <a:lnRef idx="2">
+            <a:schemeClr val="dk1">
+              <a:shade val="50000"/>
+            </a:schemeClr>
+          </a:lnRef>
+          <a:fillRef idx="1">
+            <a:schemeClr val="dk1"/>
+          </a:fillRef>
+          <a:effectRef idx="0">
+            <a:schemeClr val="dk1"/>
+          </a:effectRef>
+          <a:fontRef idx="minor">
+            <a:schemeClr val="lt1"/>
+          </a:fontRef>
+        </p:style>
+        <p:txBody>
+          <a:bodyPr rtlCol="0" anchor="ctr"/>
+          <a:lstStyle/>
+          <a:p>
+            <a:pPr algn="ctr"/>
+            <a:endParaRPr lang="en-US"/>
+          </a:p>
+        </p:txBody>
+      </p:sp>
+      <p:sp>
+        <p:nvSpPr>
+          <p:cNvPr id="9" name="TextBox 8">
+            <a:extLst>
+              <a:ext uri="{FF2B5EF4-FFF2-40B4-BE49-F238E27FC236}">
+                <a16:creationId xmlns:a16="http://schemas.microsoft.com/office/drawing/2014/main" id="{E0A31DB6-18C6-4D2C-ABA7-D9BC04F15364}"/>
+              </a:ext>
+            </a:extLst>
+          </p:cNvPr>
+          <p:cNvSpPr txBox="1"/>
+          <p:nvPr/>
+        </p:nvSpPr>
+        <p:spPr>
+          <a:xfrm>
+            <a:off x="4438741" y="4722115"/>
+            <a:ext cx="194336" cy="369332"/>
+          </a:xfrm>
+          <a:prstGeom prst="rect">
+            <a:avLst/>
+          </a:prstGeom>
+          <a:noFill/>
+        </p:spPr>
+        <p:txBody>
+          <a:bodyPr wrap="square" rtlCol="0">
+            <a:spAutoFit/>
+          </a:bodyPr>
+          <a:lstStyle/>
+          <a:p>
+            <a:r>
+              <a:rPr lang="en-US" dirty="0"/>
+              <a:t>G</a:t>
+            </a:r>
+          </a:p>
+        </p:txBody>
+      </p:sp>
+      <p:cxnSp>
+        <p:nvCxnSpPr>
+          <p:cNvPr id="10" name="Straight Connector 9">
+            <a:extLst>
+              <a:ext uri="{FF2B5EF4-FFF2-40B4-BE49-F238E27FC236}">
+                <a16:creationId xmlns:a16="http://schemas.microsoft.com/office/drawing/2014/main" id="{10422E98-A888-4E35-86BF-210A80FEB4C9}"/>
+              </a:ext>
+            </a:extLst>
+          </p:cNvPr>
+          <p:cNvCxnSpPr>
+            <a:cxnSpLocks/>
+          </p:cNvCxnSpPr>
+          <p:nvPr/>
+        </p:nvCxnSpPr>
+        <p:spPr>
+          <a:xfrm>
+            <a:off x="3683378" y="3429000"/>
+            <a:ext cx="0" cy="2292535"/>
+          </a:xfrm>
+          <a:prstGeom prst="line">
+            <a:avLst/>
+          </a:prstGeom>
+        </p:spPr>
+        <p:style>
+          <a:lnRef idx="1">
+            <a:schemeClr val="accent1"/>
+          </a:lnRef>
+          <a:fillRef idx="0">
+            <a:schemeClr val="accent1"/>
+          </a:fillRef>
+          <a:effectRef idx="0">
+            <a:schemeClr val="accent1"/>
+          </a:effectRef>
+          <a:fontRef idx="minor">
+            <a:schemeClr val="tx1"/>
+          </a:fontRef>
+        </p:style>
+      </p:cxnSp>
+      <p:cxnSp>
+        <p:nvCxnSpPr>
+          <p:cNvPr id="11" name="Straight Connector 10">
+            <a:extLst>
+              <a:ext uri="{FF2B5EF4-FFF2-40B4-BE49-F238E27FC236}">
+                <a16:creationId xmlns:a16="http://schemas.microsoft.com/office/drawing/2014/main" id="{934723CA-66BF-4A65-9A32-8D0BF994DFDC}"/>
+              </a:ext>
+            </a:extLst>
+          </p:cNvPr>
+          <p:cNvCxnSpPr>
+            <a:cxnSpLocks/>
+          </p:cNvCxnSpPr>
+          <p:nvPr/>
+        </p:nvCxnSpPr>
+        <p:spPr>
+          <a:xfrm>
+            <a:off x="5572125" y="3480209"/>
+            <a:ext cx="0" cy="1892348"/>
+          </a:xfrm>
+          <a:prstGeom prst="line">
+            <a:avLst/>
+          </a:prstGeom>
+        </p:spPr>
+        <p:style>
+          <a:lnRef idx="1">
+            <a:schemeClr val="accent1"/>
+          </a:lnRef>
+          <a:fillRef idx="0">
+            <a:schemeClr val="accent1"/>
+          </a:fillRef>
+          <a:effectRef idx="0">
+            <a:schemeClr val="accent1"/>
+          </a:effectRef>
+          <a:fontRef idx="minor">
+            <a:schemeClr val="tx1"/>
+          </a:fontRef>
+        </p:style>
+      </p:cxnSp>
+      <p:cxnSp>
+        <p:nvCxnSpPr>
+          <p:cNvPr id="12" name="Straight Connector 11">
+            <a:extLst>
+              <a:ext uri="{FF2B5EF4-FFF2-40B4-BE49-F238E27FC236}">
+                <a16:creationId xmlns:a16="http://schemas.microsoft.com/office/drawing/2014/main" id="{0D6426BB-91FD-4031-A1E3-3286371D0835}"/>
+              </a:ext>
+            </a:extLst>
+          </p:cNvPr>
+          <p:cNvCxnSpPr>
+            <a:cxnSpLocks/>
+          </p:cNvCxnSpPr>
+          <p:nvPr/>
+        </p:nvCxnSpPr>
+        <p:spPr>
+          <a:xfrm>
+            <a:off x="4746839" y="3480209"/>
+            <a:ext cx="0" cy="1106206"/>
+          </a:xfrm>
+          <a:prstGeom prst="line">
+            <a:avLst/>
+          </a:prstGeom>
+        </p:spPr>
+        <p:style>
+          <a:lnRef idx="1">
+            <a:schemeClr val="accent1"/>
+          </a:lnRef>
+          <a:fillRef idx="0">
+            <a:schemeClr val="accent1"/>
+          </a:fillRef>
+          <a:effectRef idx="0">
+            <a:schemeClr val="accent1"/>
+          </a:effectRef>
+          <a:fontRef idx="minor">
+            <a:schemeClr val="tx1"/>
+          </a:fontRef>
+        </p:style>
+      </p:cxnSp>
+      <p:cxnSp>
+        <p:nvCxnSpPr>
+          <p:cNvPr id="13" name="Straight Connector 12">
+            <a:extLst>
+              <a:ext uri="{FF2B5EF4-FFF2-40B4-BE49-F238E27FC236}">
+                <a16:creationId xmlns:a16="http://schemas.microsoft.com/office/drawing/2014/main" id="{03A4FD9E-2C17-4D17-B206-86364D7C883F}"/>
+              </a:ext>
+            </a:extLst>
+          </p:cNvPr>
+          <p:cNvCxnSpPr>
+            <a:cxnSpLocks/>
+          </p:cNvCxnSpPr>
+          <p:nvPr/>
+        </p:nvCxnSpPr>
+        <p:spPr>
+          <a:xfrm flipH="1" flipV="1">
+            <a:off x="6553200" y="4736523"/>
+            <a:ext cx="0" cy="1171048"/>
+          </a:xfrm>
+          <a:prstGeom prst="line">
+            <a:avLst/>
+          </a:prstGeom>
+        </p:spPr>
+        <p:style>
+          <a:lnRef idx="1">
+            <a:schemeClr val="accent1"/>
+          </a:lnRef>
+          <a:fillRef idx="0">
+            <a:schemeClr val="accent1"/>
+          </a:fillRef>
+          <a:effectRef idx="0">
+            <a:schemeClr val="accent1"/>
+          </a:effectRef>
+          <a:fontRef idx="minor">
+            <a:schemeClr val="tx1"/>
+          </a:fontRef>
+        </p:style>
+      </p:cxnSp>
+      <p:cxnSp>
+        <p:nvCxnSpPr>
+          <p:cNvPr id="16" name="Straight Connector 15">
+            <a:extLst>
+              <a:ext uri="{FF2B5EF4-FFF2-40B4-BE49-F238E27FC236}">
+                <a16:creationId xmlns:a16="http://schemas.microsoft.com/office/drawing/2014/main" id="{23DCB938-F6C8-4009-BD2D-1EE880A4D121}"/>
+              </a:ext>
+            </a:extLst>
+          </p:cNvPr>
+          <p:cNvCxnSpPr>
+            <a:cxnSpLocks/>
+          </p:cNvCxnSpPr>
+          <p:nvPr/>
+        </p:nvCxnSpPr>
+        <p:spPr>
+          <a:xfrm flipH="1">
+            <a:off x="3692851" y="3810000"/>
+            <a:ext cx="1879274" cy="0"/>
+          </a:xfrm>
+          <a:prstGeom prst="line">
+            <a:avLst/>
+          </a:prstGeom>
+        </p:spPr>
+        <p:style>
+          <a:lnRef idx="1">
+            <a:schemeClr val="accent1"/>
+          </a:lnRef>
+          <a:fillRef idx="0">
+            <a:schemeClr val="accent1"/>
+          </a:fillRef>
+          <a:effectRef idx="0">
+            <a:schemeClr val="accent1"/>
+          </a:effectRef>
+          <a:fontRef idx="minor">
+            <a:schemeClr val="tx1"/>
+          </a:fontRef>
+        </p:style>
+      </p:cxnSp>
+      <p:cxnSp>
+        <p:nvCxnSpPr>
+          <p:cNvPr id="17" name="Straight Connector 16">
+            <a:extLst>
+              <a:ext uri="{FF2B5EF4-FFF2-40B4-BE49-F238E27FC236}">
+                <a16:creationId xmlns:a16="http://schemas.microsoft.com/office/drawing/2014/main" id="{98B5363F-5DDE-40E9-83D0-234CED7ADEDE}"/>
+              </a:ext>
+            </a:extLst>
+          </p:cNvPr>
+          <p:cNvCxnSpPr>
+            <a:cxnSpLocks/>
+          </p:cNvCxnSpPr>
+          <p:nvPr/>
+        </p:nvCxnSpPr>
+        <p:spPr>
+          <a:xfrm>
+            <a:off x="4876800" y="4722115"/>
+            <a:ext cx="2080298" cy="0"/>
+          </a:xfrm>
+          <a:prstGeom prst="line">
+            <a:avLst/>
+          </a:prstGeom>
+        </p:spPr>
+        <p:style>
+          <a:lnRef idx="1">
+            <a:schemeClr val="accent1"/>
+          </a:lnRef>
+          <a:fillRef idx="0">
+            <a:schemeClr val="accent1"/>
+          </a:fillRef>
+          <a:effectRef idx="0">
+            <a:schemeClr val="accent1"/>
+          </a:effectRef>
+          <a:fontRef idx="minor">
+            <a:schemeClr val="tx1"/>
+          </a:fontRef>
+        </p:style>
+      </p:cxnSp>
+      <p:sp>
+        <p:nvSpPr>
+          <p:cNvPr id="18" name="TextBox 17">
+            <a:extLst>
+              <a:ext uri="{FF2B5EF4-FFF2-40B4-BE49-F238E27FC236}">
+                <a16:creationId xmlns:a16="http://schemas.microsoft.com/office/drawing/2014/main" id="{8BDBA2F4-8D74-4DED-A455-58AD81433927}"/>
+              </a:ext>
+            </a:extLst>
+          </p:cNvPr>
+          <p:cNvSpPr txBox="1"/>
+          <p:nvPr/>
+        </p:nvSpPr>
+        <p:spPr>
+          <a:xfrm>
+            <a:off x="6273541" y="5175481"/>
+            <a:ext cx="755909" cy="369332"/>
+          </a:xfrm>
+          <a:prstGeom prst="rect">
+            <a:avLst/>
+          </a:prstGeom>
+          <a:solidFill>
+            <a:schemeClr val="bg1"/>
+          </a:solidFill>
+        </p:spPr>
+        <p:txBody>
+          <a:bodyPr wrap="square" rtlCol="0">
+            <a:spAutoFit/>
+          </a:bodyPr>
+          <a:lstStyle/>
+          <a:p>
+            <a:pPr marL="0" marR="0" lvl="0" indent="0" algn="l" defTabSz="914400" rtl="0" eaLnBrk="1" fontAlgn="auto" latinLnBrk="0" hangingPunct="1">
+              <a:lnSpc>
+                <a:spcPct val="100000"/>
+              </a:lnSpc>
+              <a:spcBef>
+                <a:spcPts val="0"/>
+              </a:spcBef>
+              <a:spcAft>
+                <a:spcPts val="0"/>
+              </a:spcAft>
+              <a:buClrTx/>
+              <a:buSzTx/>
+              <a:buFontTx/>
+              <a:buNone/>
+              <a:tabLst/>
+              <a:defRPr/>
+            </a:pPr>
+            <a:r>
+              <a:rPr lang="en-US" dirty="0">
+                <a:solidFill>
+                  <a:srgbClr val="4F81BD"/>
+                </a:solidFill>
+                <a:latin typeface="Calibri"/>
+              </a:rPr>
+              <a:t>80 cm</a:t>
+            </a:r>
+            <a:endParaRPr kumimoji="0" lang="en-US" sz="1800" b="0" i="0" u="none" strike="noStrike" kern="1200" cap="none" spc="0" normalizeH="0" baseline="0" noProof="0" dirty="0">
+              <a:ln>
+                <a:noFill/>
+              </a:ln>
+              <a:solidFill>
+                <a:srgbClr val="4F81BD"/>
+              </a:solidFill>
+              <a:effectLst/>
+              <a:uLnTx/>
+              <a:uFillTx/>
+              <a:latin typeface="Calibri"/>
+              <a:ea typeface="+mn-ea"/>
+              <a:cs typeface="+mn-cs"/>
+            </a:endParaRPr>
+          </a:p>
+        </p:txBody>
+      </p:sp>
+      <p:sp>
+        <p:nvSpPr>
+          <p:cNvPr id="20" name="TextBox 19">
+            <a:extLst>
+              <a:ext uri="{FF2B5EF4-FFF2-40B4-BE49-F238E27FC236}">
+                <a16:creationId xmlns:a16="http://schemas.microsoft.com/office/drawing/2014/main" id="{356E137E-C4A9-48F7-BD93-6AE44C993CFB}"/>
+              </a:ext>
+            </a:extLst>
+          </p:cNvPr>
+          <p:cNvSpPr txBox="1"/>
+          <p:nvPr/>
+        </p:nvSpPr>
+        <p:spPr>
+          <a:xfrm>
+            <a:off x="3533775" y="5945743"/>
+            <a:ext cx="317716" cy="369332"/>
+          </a:xfrm>
+          <a:prstGeom prst="rect">
+            <a:avLst/>
+          </a:prstGeom>
+          <a:noFill/>
+        </p:spPr>
+        <p:txBody>
+          <a:bodyPr wrap="none" rtlCol="0">
+            <a:spAutoFit/>
+          </a:bodyPr>
+          <a:lstStyle/>
+          <a:p>
+            <a:pPr marL="0" marR="0" lvl="0" indent="0" algn="l" defTabSz="914400" rtl="0" eaLnBrk="1" fontAlgn="auto" latinLnBrk="0" hangingPunct="1">
+              <a:lnSpc>
+                <a:spcPct val="100000"/>
+              </a:lnSpc>
+              <a:spcBef>
+                <a:spcPts val="0"/>
+              </a:spcBef>
+              <a:spcAft>
+                <a:spcPts val="0"/>
+              </a:spcAft>
+              <a:buClrTx/>
+              <a:buSzTx/>
+              <a:buFontTx/>
+              <a:buNone/>
+              <a:tabLst/>
+              <a:defRPr/>
+            </a:pPr>
+            <a:r>
+              <a:rPr kumimoji="0" lang="en-US" sz="1800" b="0" i="0" u="none" strike="noStrike" kern="1200" cap="none" spc="0" normalizeH="0" baseline="0" noProof="0" dirty="0">
+                <a:ln>
+                  <a:noFill/>
+                </a:ln>
+                <a:solidFill>
+                  <a:prstClr val="black"/>
+                </a:solidFill>
+                <a:effectLst/>
+                <a:uLnTx/>
+                <a:uFillTx/>
+                <a:latin typeface="Calibri"/>
+                <a:ea typeface="+mn-ea"/>
+                <a:cs typeface="+mn-cs"/>
+              </a:rPr>
+              <a:t>A</a:t>
+            </a:r>
+          </a:p>
+        </p:txBody>
+      </p:sp>
+      <p:sp>
+        <p:nvSpPr>
+          <p:cNvPr id="21" name="TextBox 20">
+            <a:extLst>
+              <a:ext uri="{FF2B5EF4-FFF2-40B4-BE49-F238E27FC236}">
+                <a16:creationId xmlns:a16="http://schemas.microsoft.com/office/drawing/2014/main" id="{D6F132D2-F198-4160-BA31-06F891E882D8}"/>
+              </a:ext>
+            </a:extLst>
+          </p:cNvPr>
+          <p:cNvSpPr txBox="1"/>
+          <p:nvPr/>
+        </p:nvSpPr>
+        <p:spPr>
+          <a:xfrm>
+            <a:off x="5417275" y="5931191"/>
+            <a:ext cx="309700" cy="369332"/>
+          </a:xfrm>
+          <a:prstGeom prst="rect">
+            <a:avLst/>
+          </a:prstGeom>
+          <a:noFill/>
+        </p:spPr>
+        <p:txBody>
+          <a:bodyPr wrap="none" rtlCol="0">
+            <a:spAutoFit/>
+          </a:bodyPr>
+          <a:lstStyle/>
+          <a:p>
+            <a:pPr marL="0" marR="0" lvl="0" indent="0" algn="l" defTabSz="914400" rtl="0" eaLnBrk="1" fontAlgn="auto" latinLnBrk="0" hangingPunct="1">
+              <a:lnSpc>
+                <a:spcPct val="100000"/>
+              </a:lnSpc>
+              <a:spcBef>
+                <a:spcPts val="0"/>
+              </a:spcBef>
+              <a:spcAft>
+                <a:spcPts val="0"/>
+              </a:spcAft>
+              <a:buClrTx/>
+              <a:buSzTx/>
+              <a:buFontTx/>
+              <a:buNone/>
+              <a:tabLst/>
+              <a:defRPr/>
+            </a:pPr>
+            <a:r>
+              <a:rPr lang="en-US" dirty="0">
+                <a:solidFill>
+                  <a:prstClr val="black"/>
+                </a:solidFill>
+                <a:latin typeface="Calibri"/>
+              </a:rPr>
+              <a:t>B</a:t>
+            </a:r>
+            <a:endParaRPr kumimoji="0" lang="en-US" sz="1800" b="0" i="0" u="none" strike="noStrike" kern="1200" cap="none" spc="0" normalizeH="0" baseline="0" noProof="0" dirty="0">
+              <a:ln>
+                <a:noFill/>
+              </a:ln>
+              <a:solidFill>
+                <a:prstClr val="black"/>
+              </a:solidFill>
+              <a:effectLst/>
+              <a:uLnTx/>
+              <a:uFillTx/>
+              <a:latin typeface="Calibri"/>
+              <a:ea typeface="+mn-ea"/>
+              <a:cs typeface="+mn-cs"/>
+            </a:endParaRPr>
+          </a:p>
+        </p:txBody>
+      </p:sp>
+      <p:sp>
+        <p:nvSpPr>
+          <p:cNvPr id="14" name="TextBox 13">
+            <a:extLst>
+              <a:ext uri="{FF2B5EF4-FFF2-40B4-BE49-F238E27FC236}">
+                <a16:creationId xmlns:a16="http://schemas.microsoft.com/office/drawing/2014/main" id="{F9789D75-F77A-448A-8641-86AB4F22EB46}"/>
+              </a:ext>
+            </a:extLst>
+          </p:cNvPr>
+          <p:cNvSpPr txBox="1"/>
+          <p:nvPr/>
+        </p:nvSpPr>
+        <p:spPr>
+          <a:xfrm>
+            <a:off x="3867688" y="3635049"/>
+            <a:ext cx="775005" cy="369332"/>
+          </a:xfrm>
+          <a:prstGeom prst="rect">
+            <a:avLst/>
+          </a:prstGeom>
+          <a:solidFill>
+            <a:schemeClr val="bg1"/>
+          </a:solidFill>
+        </p:spPr>
+        <p:txBody>
+          <a:bodyPr wrap="square" rtlCol="0">
+            <a:spAutoFit/>
+          </a:bodyPr>
+          <a:lstStyle/>
+          <a:p>
+            <a:pPr marL="0" marR="0" lvl="0" indent="0" algn="l" defTabSz="914400" rtl="0" eaLnBrk="1" fontAlgn="auto" latinLnBrk="0" hangingPunct="1">
+              <a:lnSpc>
+                <a:spcPct val="100000"/>
+              </a:lnSpc>
+              <a:spcBef>
+                <a:spcPts val="0"/>
+              </a:spcBef>
+              <a:spcAft>
+                <a:spcPts val="0"/>
+              </a:spcAft>
+              <a:buClrTx/>
+              <a:buSzTx/>
+              <a:buFontTx/>
+              <a:buNone/>
+              <a:tabLst/>
+              <a:defRPr/>
+            </a:pPr>
+            <a:r>
+              <a:rPr lang="en-US" dirty="0">
+                <a:solidFill>
+                  <a:srgbClr val="4F81BD"/>
+                </a:solidFill>
+                <a:latin typeface="Calibri"/>
+              </a:rPr>
+              <a:t>80 cm</a:t>
+            </a:r>
+            <a:endParaRPr kumimoji="0" lang="en-US" sz="1800" b="0" i="0" u="none" strike="noStrike" kern="1200" cap="none" spc="0" normalizeH="0" baseline="0" noProof="0" dirty="0">
+              <a:ln>
+                <a:noFill/>
+              </a:ln>
+              <a:solidFill>
+                <a:srgbClr val="4F81BD"/>
+              </a:solidFill>
+              <a:effectLst/>
+              <a:uLnTx/>
+              <a:uFillTx/>
+              <a:latin typeface="Calibri"/>
+              <a:ea typeface="+mn-ea"/>
+              <a:cs typeface="+mn-cs"/>
+            </a:endParaRPr>
+          </a:p>
+        </p:txBody>
+      </p:sp>
+      <p:sp>
+        <p:nvSpPr>
+          <p:cNvPr id="31" name="TextBox 30">
+            <a:extLst>
+              <a:ext uri="{FF2B5EF4-FFF2-40B4-BE49-F238E27FC236}">
+                <a16:creationId xmlns:a16="http://schemas.microsoft.com/office/drawing/2014/main" id="{96C25235-2EEB-40DF-9AB7-AD8EA17AF4F6}"/>
+              </a:ext>
+            </a:extLst>
+          </p:cNvPr>
+          <p:cNvSpPr txBox="1"/>
+          <p:nvPr/>
+        </p:nvSpPr>
+        <p:spPr>
+          <a:xfrm>
+            <a:off x="4788226" y="3653909"/>
+            <a:ext cx="768239" cy="369332"/>
+          </a:xfrm>
+          <a:prstGeom prst="rect">
+            <a:avLst/>
+          </a:prstGeom>
+          <a:solidFill>
+            <a:schemeClr val="bg1"/>
+          </a:solidFill>
+        </p:spPr>
+        <p:txBody>
+          <a:bodyPr wrap="square" rtlCol="0">
+            <a:spAutoFit/>
+          </a:bodyPr>
+          <a:lstStyle/>
+          <a:p>
+            <a:pPr marL="0" marR="0" lvl="0" indent="0" algn="l" defTabSz="914400" rtl="0" eaLnBrk="1" fontAlgn="auto" latinLnBrk="0" hangingPunct="1">
+              <a:lnSpc>
+                <a:spcPct val="100000"/>
+              </a:lnSpc>
+              <a:spcBef>
+                <a:spcPts val="0"/>
+              </a:spcBef>
+              <a:spcAft>
+                <a:spcPts val="0"/>
+              </a:spcAft>
+              <a:buClrTx/>
+              <a:buSzTx/>
+              <a:buFontTx/>
+              <a:buNone/>
+              <a:tabLst/>
+              <a:defRPr/>
+            </a:pPr>
+            <a:r>
+              <a:rPr lang="en-US" dirty="0">
+                <a:solidFill>
+                  <a:srgbClr val="4F81BD"/>
+                </a:solidFill>
+                <a:latin typeface="Calibri"/>
+              </a:rPr>
+              <a:t>60cm</a:t>
+            </a:r>
+            <a:endParaRPr kumimoji="0" lang="en-US" sz="1800" b="0" i="0" u="none" strike="noStrike" kern="1200" cap="none" spc="0" normalizeH="0" baseline="0" noProof="0" dirty="0">
+              <a:ln>
+                <a:noFill/>
+              </a:ln>
+              <a:solidFill>
+                <a:srgbClr val="4F81BD"/>
+              </a:solidFill>
+              <a:effectLst/>
+              <a:uLnTx/>
+              <a:uFillTx/>
+              <a:latin typeface="Calibri"/>
+              <a:ea typeface="+mn-ea"/>
+              <a:cs typeface="+mn-cs"/>
+            </a:endParaRPr>
+          </a:p>
+        </p:txBody>
+      </p:sp>
+      <p:cxnSp>
+        <p:nvCxnSpPr>
+          <p:cNvPr id="38" name="Straight Arrow Connector 37">
+            <a:extLst>
+              <a:ext uri="{FF2B5EF4-FFF2-40B4-BE49-F238E27FC236}">
+                <a16:creationId xmlns:a16="http://schemas.microsoft.com/office/drawing/2014/main" id="{82943D8B-8DD0-450C-BC43-33E6D9D11646}"/>
+              </a:ext>
+            </a:extLst>
+          </p:cNvPr>
+          <p:cNvCxnSpPr>
+            <a:cxnSpLocks/>
+          </p:cNvCxnSpPr>
+          <p:nvPr/>
+        </p:nvCxnSpPr>
+        <p:spPr>
+          <a:xfrm flipH="1">
+            <a:off x="1314450" y="4829175"/>
+            <a:ext cx="998400" cy="0"/>
+          </a:xfrm>
+          <a:prstGeom prst="straightConnector1">
+            <a:avLst/>
+          </a:prstGeom>
+          <a:ln>
+            <a:solidFill>
+              <a:srgbClr val="FF0000"/>
+            </a:solidFill>
+            <a:tailEnd type="triangle"/>
+          </a:ln>
+        </p:spPr>
+        <p:style>
+          <a:lnRef idx="3">
+            <a:schemeClr val="accent2"/>
+          </a:lnRef>
+          <a:fillRef idx="0">
+            <a:schemeClr val="accent2"/>
+          </a:fillRef>
+          <a:effectRef idx="2">
+            <a:schemeClr val="accent2"/>
+          </a:effectRef>
+          <a:fontRef idx="minor">
+            <a:schemeClr val="tx1"/>
+          </a:fontRef>
+        </p:style>
+      </p:cxnSp>
+      <p:cxnSp>
+        <p:nvCxnSpPr>
+          <p:cNvPr id="40" name="Straight Connector 39">
+            <a:extLst>
+              <a:ext uri="{FF2B5EF4-FFF2-40B4-BE49-F238E27FC236}">
+                <a16:creationId xmlns:a16="http://schemas.microsoft.com/office/drawing/2014/main" id="{F049977D-4A0C-4F48-AC05-5FEF4715C197}"/>
+              </a:ext>
+            </a:extLst>
+          </p:cNvPr>
+          <p:cNvCxnSpPr>
+            <a:cxnSpLocks/>
+          </p:cNvCxnSpPr>
+          <p:nvPr/>
+        </p:nvCxnSpPr>
+        <p:spPr>
+          <a:xfrm flipV="1">
+            <a:off x="1879859" y="4829175"/>
+            <a:ext cx="0" cy="1095375"/>
+          </a:xfrm>
+          <a:prstGeom prst="line">
+            <a:avLst/>
+          </a:prstGeom>
+        </p:spPr>
+        <p:style>
+          <a:lnRef idx="1">
+            <a:schemeClr val="accent1"/>
+          </a:lnRef>
+          <a:fillRef idx="0">
+            <a:schemeClr val="accent1"/>
+          </a:fillRef>
+          <a:effectRef idx="0">
+            <a:schemeClr val="accent1"/>
+          </a:effectRef>
+          <a:fontRef idx="minor">
+            <a:schemeClr val="tx1"/>
+          </a:fontRef>
+        </p:style>
+      </p:cxnSp>
+      <p:sp>
+        <p:nvSpPr>
+          <p:cNvPr id="41" name="TextBox 40">
+            <a:extLst>
+              <a:ext uri="{FF2B5EF4-FFF2-40B4-BE49-F238E27FC236}">
+                <a16:creationId xmlns:a16="http://schemas.microsoft.com/office/drawing/2014/main" id="{EDA18C5B-EB82-43B2-AFD9-52AE17ABA5F5}"/>
+              </a:ext>
+            </a:extLst>
+          </p:cNvPr>
+          <p:cNvSpPr txBox="1"/>
+          <p:nvPr/>
+        </p:nvSpPr>
+        <p:spPr>
+          <a:xfrm>
+            <a:off x="1600200" y="5192460"/>
+            <a:ext cx="755909" cy="369332"/>
+          </a:xfrm>
+          <a:prstGeom prst="rect">
+            <a:avLst/>
+          </a:prstGeom>
+          <a:solidFill>
+            <a:schemeClr val="bg1"/>
+          </a:solidFill>
+        </p:spPr>
+        <p:txBody>
+          <a:bodyPr wrap="square" rtlCol="0">
+            <a:spAutoFit/>
+          </a:bodyPr>
+          <a:lstStyle/>
+          <a:p>
+            <a:pPr marL="0" marR="0" lvl="0" indent="0" algn="l" defTabSz="914400" rtl="0" eaLnBrk="1" fontAlgn="auto" latinLnBrk="0" hangingPunct="1">
+              <a:lnSpc>
+                <a:spcPct val="100000"/>
+              </a:lnSpc>
+              <a:spcBef>
+                <a:spcPts val="0"/>
+              </a:spcBef>
+              <a:spcAft>
+                <a:spcPts val="0"/>
+              </a:spcAft>
+              <a:buClrTx/>
+              <a:buSzTx/>
+              <a:buFontTx/>
+              <a:buNone/>
+              <a:tabLst/>
+              <a:defRPr/>
+            </a:pPr>
+            <a:r>
+              <a:rPr lang="en-US" dirty="0">
+                <a:solidFill>
+                  <a:srgbClr val="4F81BD"/>
+                </a:solidFill>
+                <a:latin typeface="Calibri"/>
+              </a:rPr>
+              <a:t>70 cm</a:t>
+            </a:r>
+            <a:endParaRPr kumimoji="0" lang="en-US" sz="1800" b="0" i="0" u="none" strike="noStrike" kern="1200" cap="none" spc="0" normalizeH="0" baseline="0" noProof="0" dirty="0">
+              <a:ln>
+                <a:noFill/>
+              </a:ln>
+              <a:solidFill>
+                <a:srgbClr val="4F81BD"/>
+              </a:solidFill>
+              <a:effectLst/>
+              <a:uLnTx/>
+              <a:uFillTx/>
+              <a:latin typeface="Calibri"/>
+              <a:ea typeface="+mn-ea"/>
+              <a:cs typeface="+mn-cs"/>
+            </a:endParaRPr>
+          </a:p>
+        </p:txBody>
+      </p:sp>
+      <p:sp>
+        <p:nvSpPr>
+          <p:cNvPr id="44" name="TextBox 43">
+            <a:extLst>
+              <a:ext uri="{FF2B5EF4-FFF2-40B4-BE49-F238E27FC236}">
+                <a16:creationId xmlns:a16="http://schemas.microsoft.com/office/drawing/2014/main" id="{F37E88E2-5E17-4069-8FAB-2249BCA1FE83}"/>
+              </a:ext>
+            </a:extLst>
+          </p:cNvPr>
+          <p:cNvSpPr txBox="1"/>
+          <p:nvPr/>
+        </p:nvSpPr>
+        <p:spPr>
+          <a:xfrm>
+            <a:off x="746385" y="4620938"/>
+            <a:ext cx="657212" cy="369332"/>
+          </a:xfrm>
+          <a:prstGeom prst="rect">
+            <a:avLst/>
+          </a:prstGeom>
+          <a:noFill/>
+        </p:spPr>
+        <p:txBody>
+          <a:bodyPr wrap="square" rtlCol="0">
+            <a:spAutoFit/>
+          </a:bodyPr>
+          <a:lstStyle/>
+          <a:p>
+            <a:r>
+              <a:rPr lang="en-US" b="1" dirty="0">
+                <a:solidFill>
+                  <a:srgbClr val="FF0000"/>
+                </a:solidFill>
+              </a:rPr>
+              <a:t>F</a:t>
+            </a:r>
+            <a:r>
+              <a:rPr lang="en-US" b="1" baseline="-25000" dirty="0">
+                <a:solidFill>
+                  <a:srgbClr val="FF0000"/>
+                </a:solidFill>
+              </a:rPr>
+              <a:t>pull</a:t>
+            </a:r>
+          </a:p>
+        </p:txBody>
+      </p:sp>
+      <p:sp>
+        <p:nvSpPr>
+          <p:cNvPr id="45" name="Frame 44">
+            <a:extLst>
+              <a:ext uri="{FF2B5EF4-FFF2-40B4-BE49-F238E27FC236}">
+                <a16:creationId xmlns:a16="http://schemas.microsoft.com/office/drawing/2014/main" id="{36B94261-AA94-4800-B2AB-0746B4A40F8E}"/>
+              </a:ext>
+            </a:extLst>
+          </p:cNvPr>
+          <p:cNvSpPr/>
+          <p:nvPr/>
+        </p:nvSpPr>
+        <p:spPr>
+          <a:xfrm>
+            <a:off x="-461579" y="1828801"/>
+            <a:ext cx="9815129" cy="5867400"/>
+          </a:xfrm>
+          <a:prstGeom prst="frame">
+            <a:avLst>
+              <a:gd name="adj1" fmla="val 19550"/>
+            </a:avLst>
+          </a:prstGeom>
+          <a:ln>
+            <a:solidFill>
+              <a:schemeClr val="bg1"/>
+            </a:solidFill>
+          </a:ln>
+          <a:effectLst>
+            <a:softEdge rad="127000"/>
+          </a:effectLst>
+        </p:spPr>
+        <p:style>
+          <a:lnRef idx="2">
+            <a:schemeClr val="dk1"/>
+          </a:lnRef>
+          <a:fillRef idx="1">
+            <a:schemeClr val="lt1"/>
+          </a:fillRef>
+          <a:effectRef idx="0">
+            <a:schemeClr val="dk1"/>
+          </a:effectRef>
+          <a:fontRef idx="minor">
+            <a:schemeClr val="dk1"/>
+          </a:fontRef>
+        </p:style>
+        <p:txBody>
+          <a:bodyPr rtlCol="0" anchor="ctr"/>
+          <a:lstStyle/>
+          <a:p>
+            <a:pPr marL="0" marR="0" lvl="0" indent="0" algn="ctr" defTabSz="914400" rtl="0" eaLnBrk="1" fontAlgn="auto" latinLnBrk="0" hangingPunct="1">
+              <a:lnSpc>
+                <a:spcPct val="100000"/>
+              </a:lnSpc>
+              <a:spcBef>
+                <a:spcPts val="0"/>
+              </a:spcBef>
+              <a:spcAft>
+                <a:spcPts val="0"/>
+              </a:spcAft>
+              <a:buClrTx/>
+              <a:buSzTx/>
+              <a:buFontTx/>
+              <a:buNone/>
+              <a:tabLst/>
+              <a:defRPr/>
+            </a:pPr>
+            <a:endParaRPr kumimoji="0" lang="en-US" sz="1800" b="0" i="0" u="none" strike="noStrike" kern="1200" cap="none" spc="0" normalizeH="0" baseline="0" noProof="0">
+              <a:ln>
+                <a:noFill/>
+              </a:ln>
+              <a:solidFill>
+                <a:prstClr val="black"/>
+              </a:solidFill>
+              <a:effectLst/>
+              <a:uLnTx/>
+              <a:uFillTx/>
+              <a:latin typeface="Calibri"/>
+              <a:ea typeface="+mn-ea"/>
+              <a:cs typeface="+mn-cs"/>
+            </a:endParaRPr>
+          </a:p>
+        </p:txBody>
+      </p:sp>
+      <p:sp>
+        <p:nvSpPr>
+          <p:cNvPr id="3" name="Content Placeholder 2">
+            <a:extLst>
+              <a:ext uri="{FF2B5EF4-FFF2-40B4-BE49-F238E27FC236}">
+                <a16:creationId xmlns:a16="http://schemas.microsoft.com/office/drawing/2014/main" id="{2701DEB9-4847-4BC5-895E-83EF39D3C88F}"/>
+              </a:ext>
+            </a:extLst>
+          </p:cNvPr>
+          <p:cNvSpPr>
+            <a:spLocks noGrp="1"/>
+          </p:cNvSpPr>
+          <p:nvPr>
+            <p:ph idx="1"/>
+          </p:nvPr>
+        </p:nvSpPr>
+        <p:spPr>
+          <a:xfrm>
+            <a:off x="457200" y="1600201"/>
+            <a:ext cx="8229600" cy="1752600"/>
+          </a:xfrm>
+        </p:spPr>
+        <p:txBody>
+          <a:bodyPr>
+            <a:normAutofit fontScale="77500" lnSpcReduction="20000"/>
+          </a:bodyPr>
+          <a:lstStyle/>
+          <a:p>
+            <a:r>
+              <a:rPr lang="en-US" dirty="0"/>
+              <a:t>A 60 kg wheelbarrow with the dimensions shown below is subjected to a pulling force. If there is assumed to be no friction at the wheel at B, and the static coefficient of friction at A is assumed to be .4, what is the expected pulling force needed to get the wheelbarrow moving? </a:t>
+            </a:r>
+          </a:p>
+        </p:txBody>
+      </p:sp>
+    </p:spTree>
+    <p:extLst>
+      <p:ext uri="{BB962C8B-B14F-4D97-AF65-F5344CB8AC3E}">
+        <p14:creationId xmlns:p14="http://schemas.microsoft.com/office/powerpoint/2010/main" val="2253816766"/>
+      </p:ext>
+    </p:extLst>
+  </p:cSld>
+  <p:clrMapOvr>
+    <a:masterClrMapping/>
+  </p:clrMapOvr>
+</p:sld>
+</file>
+
+<file path=ppt/slides/slide12.xml><?xml version="1.0" encoding="utf-8"?>
+<p:sld xmlns:a="http://schemas.openxmlformats.org/drawingml/2006/main" xmlns:r="http://schemas.openxmlformats.org/officeDocument/2006/relationships" xmlns:p="http://schemas.openxmlformats.org/presentationml/2006/main">
+  <p:cSld>
+    <p:spTree>
+      <p:nvGrpSpPr>
+        <p:cNvPr id="1" name=""/>
+        <p:cNvGrpSpPr/>
+        <p:nvPr/>
+      </p:nvGrpSpPr>
+      <p:grpSpPr>
+        <a:xfrm>
+          <a:off x="0" y="0"/>
+          <a:ext cx="0" cy="0"/>
+          <a:chOff x="0" y="0"/>
+          <a:chExt cx="0" cy="0"/>
+        </a:xfrm>
+      </p:grpSpPr>
+      <p:grpSp>
+        <p:nvGrpSpPr>
+          <p:cNvPr id="37" name="Group 36">
+            <a:extLst>
+              <a:ext uri="{FF2B5EF4-FFF2-40B4-BE49-F238E27FC236}">
+                <a16:creationId xmlns:a16="http://schemas.microsoft.com/office/drawing/2014/main" id="{F325650D-D433-4487-A2CF-5DFFC5AF83B3}"/>
+              </a:ext>
+            </a:extLst>
+          </p:cNvPr>
+          <p:cNvGrpSpPr/>
+          <p:nvPr/>
+        </p:nvGrpSpPr>
+        <p:grpSpPr>
+          <a:xfrm rot="627157">
+            <a:off x="4767857" y="2149931"/>
+            <a:ext cx="4345564" cy="4090872"/>
+            <a:chOff x="4798435" y="2395989"/>
+            <a:chExt cx="4345564" cy="4090872"/>
+          </a:xfrm>
+        </p:grpSpPr>
+        <p:grpSp>
+          <p:nvGrpSpPr>
+            <p:cNvPr id="10" name="Group 9">
+              <a:extLst>
+                <a:ext uri="{FF2B5EF4-FFF2-40B4-BE49-F238E27FC236}">
+                  <a16:creationId xmlns:a16="http://schemas.microsoft.com/office/drawing/2014/main" id="{CB9577BC-6E65-4010-BC12-5A9B10EE0255}"/>
+                </a:ext>
+              </a:extLst>
+            </p:cNvPr>
+            <p:cNvGrpSpPr/>
+            <p:nvPr/>
+          </p:nvGrpSpPr>
+          <p:grpSpPr>
+            <a:xfrm>
+              <a:off x="5998845" y="4605471"/>
+              <a:ext cx="228600" cy="228600"/>
+              <a:chOff x="845820" y="5759132"/>
+              <a:chExt cx="228600" cy="228600"/>
+            </a:xfrm>
+          </p:grpSpPr>
+          <p:sp>
+            <p:nvSpPr>
+              <p:cNvPr id="8" name="Oval 7">
+                <a:extLst>
+                  <a:ext uri="{FF2B5EF4-FFF2-40B4-BE49-F238E27FC236}">
+                    <a16:creationId xmlns:a16="http://schemas.microsoft.com/office/drawing/2014/main" id="{ECB658C0-3944-45B5-9B60-14F0000AAE66}"/>
+                  </a:ext>
+                </a:extLst>
+              </p:cNvPr>
+              <p:cNvSpPr/>
+              <p:nvPr/>
+            </p:nvSpPr>
+            <p:spPr>
+              <a:xfrm>
+                <a:off x="845820" y="5759132"/>
+                <a:ext cx="228600" cy="228600"/>
+              </a:xfrm>
+              <a:prstGeom prst="ellipse">
+                <a:avLst/>
+              </a:prstGeom>
+            </p:spPr>
+            <p:style>
+              <a:lnRef idx="1">
+                <a:schemeClr val="dk1"/>
+              </a:lnRef>
+              <a:fillRef idx="2">
+                <a:schemeClr val="dk1"/>
+              </a:fillRef>
+              <a:effectRef idx="1">
+                <a:schemeClr val="dk1"/>
+              </a:effectRef>
+              <a:fontRef idx="minor">
+                <a:schemeClr val="dk1"/>
+              </a:fontRef>
+            </p:style>
+            <p:txBody>
+              <a:bodyPr rtlCol="0" anchor="ctr"/>
+              <a:lstStyle/>
+              <a:p>
+                <a:pPr algn="ctr"/>
+                <a:endParaRPr lang="en-US"/>
+              </a:p>
+            </p:txBody>
+          </p:sp>
+          <p:sp>
+            <p:nvSpPr>
+              <p:cNvPr id="9" name="Oval 8">
+                <a:extLst>
+                  <a:ext uri="{FF2B5EF4-FFF2-40B4-BE49-F238E27FC236}">
+                    <a16:creationId xmlns:a16="http://schemas.microsoft.com/office/drawing/2014/main" id="{58DDAA61-6D08-4EC1-98DC-E8A5F3FD49C2}"/>
+                  </a:ext>
+                </a:extLst>
+              </p:cNvPr>
+              <p:cNvSpPr/>
+              <p:nvPr/>
+            </p:nvSpPr>
+            <p:spPr>
+              <a:xfrm>
+                <a:off x="914400" y="5827712"/>
+                <a:ext cx="91440" cy="91440"/>
+              </a:xfrm>
+              <a:prstGeom prst="ellipse">
+                <a:avLst/>
+              </a:prstGeom>
+            </p:spPr>
+            <p:style>
+              <a:lnRef idx="2">
+                <a:schemeClr val="dk1">
+                  <a:shade val="50000"/>
+                </a:schemeClr>
+              </a:lnRef>
+              <a:fillRef idx="1">
+                <a:schemeClr val="dk1"/>
+              </a:fillRef>
+              <a:effectRef idx="0">
+                <a:schemeClr val="dk1"/>
+              </a:effectRef>
+              <a:fontRef idx="minor">
+                <a:schemeClr val="lt1"/>
+              </a:fontRef>
+            </p:style>
+            <p:txBody>
+              <a:bodyPr rtlCol="0" anchor="ctr"/>
+              <a:lstStyle/>
+              <a:p>
+                <a:pPr algn="ctr"/>
+                <a:endParaRPr lang="en-US"/>
+              </a:p>
+            </p:txBody>
+          </p:sp>
+        </p:grpSp>
+        <p:sp>
+          <p:nvSpPr>
+            <p:cNvPr id="5" name="Rectangle 4">
+              <a:extLst>
+                <a:ext uri="{FF2B5EF4-FFF2-40B4-BE49-F238E27FC236}">
+                  <a16:creationId xmlns:a16="http://schemas.microsoft.com/office/drawing/2014/main" id="{C84014A5-1868-499C-9497-C79031DB7368}"/>
+                </a:ext>
+              </a:extLst>
+            </p:cNvPr>
+            <p:cNvSpPr/>
+            <p:nvPr/>
+          </p:nvSpPr>
+          <p:spPr>
+            <a:xfrm>
+              <a:off x="6010275" y="2395989"/>
+              <a:ext cx="1524000" cy="2286000"/>
+            </a:xfrm>
+            <a:prstGeom prst="rect">
+              <a:avLst/>
+            </a:prstGeom>
+          </p:spPr>
+          <p:style>
+            <a:lnRef idx="2">
+              <a:schemeClr val="dk1"/>
+            </a:lnRef>
+            <a:fillRef idx="1">
+              <a:schemeClr val="lt1"/>
+            </a:fillRef>
+            <a:effectRef idx="0">
+              <a:schemeClr val="dk1"/>
+            </a:effectRef>
+            <a:fontRef idx="minor">
+              <a:schemeClr val="dk1"/>
+            </a:fontRef>
+          </p:style>
+          <p:txBody>
+            <a:bodyPr rtlCol="0" anchor="ctr"/>
+            <a:lstStyle/>
+            <a:p>
+              <a:pPr algn="ctr"/>
+              <a:endParaRPr lang="en-US"/>
+            </a:p>
+          </p:txBody>
+        </p:sp>
+        <p:sp>
+          <p:nvSpPr>
+            <p:cNvPr id="6" name="Rectangle 5">
+              <a:extLst>
+                <a:ext uri="{FF2B5EF4-FFF2-40B4-BE49-F238E27FC236}">
+                  <a16:creationId xmlns:a16="http://schemas.microsoft.com/office/drawing/2014/main" id="{1A8FD558-2D25-40D1-A6E7-ACE61F4F6B6B}"/>
+                </a:ext>
+              </a:extLst>
+            </p:cNvPr>
+            <p:cNvSpPr/>
+            <p:nvPr/>
+          </p:nvSpPr>
+          <p:spPr>
+            <a:xfrm>
+              <a:off x="7534275" y="2395989"/>
+              <a:ext cx="152400" cy="2286000"/>
+            </a:xfrm>
+            <a:prstGeom prst="rect">
+              <a:avLst/>
+            </a:prstGeom>
+          </p:spPr>
+          <p:style>
+            <a:lnRef idx="2">
+              <a:schemeClr val="dk1"/>
+            </a:lnRef>
+            <a:fillRef idx="1">
+              <a:schemeClr val="lt1"/>
+            </a:fillRef>
+            <a:effectRef idx="0">
+              <a:schemeClr val="dk1"/>
+            </a:effectRef>
+            <a:fontRef idx="minor">
+              <a:schemeClr val="dk1"/>
+            </a:fontRef>
+          </p:style>
+          <p:txBody>
+            <a:bodyPr rtlCol="0" anchor="ctr"/>
+            <a:lstStyle/>
+            <a:p>
+              <a:pPr algn="ctr"/>
+              <a:endParaRPr lang="en-US"/>
+            </a:p>
+          </p:txBody>
+        </p:sp>
+        <p:sp>
+          <p:nvSpPr>
+            <p:cNvPr id="7" name="Block Arc 6">
+              <a:extLst>
+                <a:ext uri="{FF2B5EF4-FFF2-40B4-BE49-F238E27FC236}">
+                  <a16:creationId xmlns:a16="http://schemas.microsoft.com/office/drawing/2014/main" id="{4EACCEC4-0188-4096-879F-06784C733067}"/>
+                </a:ext>
+              </a:extLst>
+            </p:cNvPr>
+            <p:cNvSpPr/>
+            <p:nvPr/>
+          </p:nvSpPr>
+          <p:spPr>
+            <a:xfrm rot="5400000">
+              <a:off x="7376160" y="3081789"/>
+              <a:ext cx="640080" cy="274320"/>
+            </a:xfrm>
+            <a:prstGeom prst="blockArc">
+              <a:avLst/>
+            </a:prstGeom>
+          </p:spPr>
+          <p:style>
+            <a:lnRef idx="1">
+              <a:schemeClr val="dk1"/>
+            </a:lnRef>
+            <a:fillRef idx="2">
+              <a:schemeClr val="dk1"/>
+            </a:fillRef>
+            <a:effectRef idx="1">
+              <a:schemeClr val="dk1"/>
+            </a:effectRef>
+            <a:fontRef idx="minor">
+              <a:schemeClr val="dk1"/>
+            </a:fontRef>
+          </p:style>
+          <p:txBody>
+            <a:bodyPr rtlCol="0" anchor="ctr"/>
+            <a:lstStyle/>
+            <a:p>
+              <a:pPr algn="ctr"/>
+              <a:endParaRPr lang="en-US">
+                <a:solidFill>
+                  <a:schemeClr val="tx1"/>
+                </a:solidFill>
+              </a:endParaRPr>
+            </a:p>
+          </p:txBody>
+        </p:sp>
+        <p:sp>
+          <p:nvSpPr>
+            <p:cNvPr id="11" name="Rectangle 10">
+              <a:extLst>
+                <a:ext uri="{FF2B5EF4-FFF2-40B4-BE49-F238E27FC236}">
+                  <a16:creationId xmlns:a16="http://schemas.microsoft.com/office/drawing/2014/main" id="{733B3B96-FD67-459E-9E7D-4D9B4D8E010F}"/>
+                </a:ext>
+              </a:extLst>
+            </p:cNvPr>
+            <p:cNvSpPr/>
+            <p:nvPr/>
+          </p:nvSpPr>
+          <p:spPr>
+            <a:xfrm>
+              <a:off x="7381875" y="4689291"/>
+              <a:ext cx="152400" cy="152400"/>
+            </a:xfrm>
+            <a:prstGeom prst="rect">
+              <a:avLst/>
+            </a:prstGeom>
+          </p:spPr>
+          <p:style>
+            <a:lnRef idx="2">
+              <a:schemeClr val="dk1">
+                <a:shade val="50000"/>
+              </a:schemeClr>
+            </a:lnRef>
+            <a:fillRef idx="1">
+              <a:schemeClr val="dk1"/>
+            </a:fillRef>
+            <a:effectRef idx="0">
+              <a:schemeClr val="dk1"/>
+            </a:effectRef>
+            <a:fontRef idx="minor">
+              <a:schemeClr val="lt1"/>
+            </a:fontRef>
+          </p:style>
+          <p:txBody>
+            <a:bodyPr rtlCol="0" anchor="ctr"/>
+            <a:lstStyle/>
+            <a:p>
+              <a:pPr algn="ctr"/>
+              <a:endParaRPr lang="en-US"/>
+            </a:p>
+          </p:txBody>
+        </p:sp>
+        <p:sp>
+          <p:nvSpPr>
+            <p:cNvPr id="12" name="Rectangle 11">
+              <a:extLst>
+                <a:ext uri="{FF2B5EF4-FFF2-40B4-BE49-F238E27FC236}">
+                  <a16:creationId xmlns:a16="http://schemas.microsoft.com/office/drawing/2014/main" id="{9D491457-DDA7-414A-A24E-E3996B529732}"/>
+                </a:ext>
+              </a:extLst>
+            </p:cNvPr>
+            <p:cNvSpPr/>
+            <p:nvPr/>
+          </p:nvSpPr>
+          <p:spPr>
+            <a:xfrm>
+              <a:off x="4798435" y="4848991"/>
+              <a:ext cx="4345564" cy="1637870"/>
+            </a:xfrm>
+            <a:prstGeom prst="rect">
+              <a:avLst/>
+            </a:prstGeom>
+            <a:solidFill>
+              <a:schemeClr val="bg2">
+                <a:lumMod val="90000"/>
+              </a:schemeClr>
+            </a:solidFill>
+            <a:ln>
+              <a:solidFill>
+                <a:schemeClr val="bg2">
+                  <a:lumMod val="50000"/>
+                </a:schemeClr>
+              </a:solidFill>
+            </a:ln>
+          </p:spPr>
+          <p:style>
+            <a:lnRef idx="2">
+              <a:schemeClr val="accent6">
+                <a:shade val="50000"/>
+              </a:schemeClr>
+            </a:lnRef>
+            <a:fillRef idx="1">
+              <a:schemeClr val="accent6"/>
+            </a:fillRef>
+            <a:effectRef idx="0">
+              <a:schemeClr val="accent6"/>
+            </a:effectRef>
+            <a:fontRef idx="minor">
+              <a:schemeClr val="lt1"/>
+            </a:fontRef>
+          </p:style>
+          <p:txBody>
+            <a:bodyPr rtlCol="0" anchor="ctr"/>
+            <a:lstStyle/>
+            <a:p>
+              <a:pPr algn="ctr"/>
+              <a:endParaRPr lang="en-US" dirty="0"/>
+            </a:p>
+          </p:txBody>
+        </p:sp>
+        <p:sp>
+          <p:nvSpPr>
+            <p:cNvPr id="13" name="Oval 12">
+              <a:extLst>
+                <a:ext uri="{FF2B5EF4-FFF2-40B4-BE49-F238E27FC236}">
+                  <a16:creationId xmlns:a16="http://schemas.microsoft.com/office/drawing/2014/main" id="{41630046-5451-453E-A204-4927A826340B}"/>
+                </a:ext>
+              </a:extLst>
+            </p:cNvPr>
+            <p:cNvSpPr/>
+            <p:nvPr/>
+          </p:nvSpPr>
+          <p:spPr>
+            <a:xfrm>
+              <a:off x="6795135" y="3375794"/>
+              <a:ext cx="91440" cy="91440"/>
+            </a:xfrm>
+            <a:prstGeom prst="ellipse">
+              <a:avLst/>
+            </a:prstGeom>
+          </p:spPr>
+          <p:style>
+            <a:lnRef idx="2">
+              <a:schemeClr val="dk1">
+                <a:shade val="50000"/>
+              </a:schemeClr>
+            </a:lnRef>
+            <a:fillRef idx="1">
+              <a:schemeClr val="dk1"/>
+            </a:fillRef>
+            <a:effectRef idx="0">
+              <a:schemeClr val="dk1"/>
+            </a:effectRef>
+            <a:fontRef idx="minor">
+              <a:schemeClr val="lt1"/>
+            </a:fontRef>
+          </p:style>
+          <p:txBody>
+            <a:bodyPr rtlCol="0" anchor="ctr"/>
+            <a:lstStyle/>
+            <a:p>
+              <a:pPr algn="ctr"/>
+              <a:endParaRPr lang="en-US"/>
+            </a:p>
+          </p:txBody>
+        </p:sp>
+        <p:sp>
+          <p:nvSpPr>
+            <p:cNvPr id="14" name="TextBox 13">
+              <a:extLst>
+                <a:ext uri="{FF2B5EF4-FFF2-40B4-BE49-F238E27FC236}">
+                  <a16:creationId xmlns:a16="http://schemas.microsoft.com/office/drawing/2014/main" id="{DF4C380E-3CCC-45E5-BB67-EEE766A666DE}"/>
+                </a:ext>
+              </a:extLst>
+            </p:cNvPr>
+            <p:cNvSpPr txBox="1"/>
+            <p:nvPr/>
+          </p:nvSpPr>
+          <p:spPr>
+            <a:xfrm>
+              <a:off x="6416014" y="3028449"/>
+              <a:ext cx="194336" cy="369332"/>
+            </a:xfrm>
+            <a:prstGeom prst="rect">
+              <a:avLst/>
+            </a:prstGeom>
+            <a:noFill/>
+          </p:spPr>
+          <p:txBody>
+            <a:bodyPr wrap="square" rtlCol="0">
+              <a:spAutoFit/>
+            </a:bodyPr>
+            <a:lstStyle/>
+            <a:p>
+              <a:r>
+                <a:rPr lang="en-US" dirty="0"/>
+                <a:t>G</a:t>
+              </a:r>
+            </a:p>
+          </p:txBody>
+        </p:sp>
+        <p:sp>
+          <p:nvSpPr>
+            <p:cNvPr id="15" name="TextBox 14">
+              <a:extLst>
+                <a:ext uri="{FF2B5EF4-FFF2-40B4-BE49-F238E27FC236}">
+                  <a16:creationId xmlns:a16="http://schemas.microsoft.com/office/drawing/2014/main" id="{2D1DEDEE-B822-4751-A65A-F2DB9BA537BC}"/>
+                </a:ext>
+              </a:extLst>
+            </p:cNvPr>
+            <p:cNvSpPr txBox="1"/>
+            <p:nvPr/>
+          </p:nvSpPr>
+          <p:spPr>
+            <a:xfrm>
+              <a:off x="6040483" y="4327579"/>
+              <a:ext cx="317716" cy="369332"/>
+            </a:xfrm>
+            <a:prstGeom prst="rect">
+              <a:avLst/>
+            </a:prstGeom>
+            <a:noFill/>
+          </p:spPr>
+          <p:txBody>
+            <a:bodyPr wrap="none" rtlCol="0">
+              <a:spAutoFit/>
+            </a:bodyPr>
+            <a:lstStyle/>
+            <a:p>
+              <a:pPr marL="0" marR="0" lvl="0" indent="0" algn="l" defTabSz="914400" rtl="0" eaLnBrk="1" fontAlgn="auto" latinLnBrk="0" hangingPunct="1">
+                <a:lnSpc>
+                  <a:spcPct val="100000"/>
+                </a:lnSpc>
+                <a:spcBef>
+                  <a:spcPts val="0"/>
+                </a:spcBef>
+                <a:spcAft>
+                  <a:spcPts val="0"/>
+                </a:spcAft>
+                <a:buClrTx/>
+                <a:buSzTx/>
+                <a:buFontTx/>
+                <a:buNone/>
+                <a:tabLst/>
+                <a:defRPr/>
+              </a:pPr>
+              <a:r>
+                <a:rPr kumimoji="0" lang="en-US" sz="1800" b="0" i="0" u="none" strike="noStrike" kern="1200" cap="none" spc="0" normalizeH="0" baseline="0" noProof="0" dirty="0">
+                  <a:ln>
+                    <a:noFill/>
+                  </a:ln>
+                  <a:solidFill>
+                    <a:prstClr val="black"/>
+                  </a:solidFill>
+                  <a:effectLst/>
+                  <a:uLnTx/>
+                  <a:uFillTx/>
+                  <a:latin typeface="Calibri"/>
+                  <a:ea typeface="+mn-ea"/>
+                  <a:cs typeface="+mn-cs"/>
+                </a:rPr>
+                <a:t>A</a:t>
+              </a:r>
+            </a:p>
+          </p:txBody>
+        </p:sp>
+        <p:sp>
+          <p:nvSpPr>
+            <p:cNvPr id="16" name="TextBox 15">
+              <a:extLst>
+                <a:ext uri="{FF2B5EF4-FFF2-40B4-BE49-F238E27FC236}">
+                  <a16:creationId xmlns:a16="http://schemas.microsoft.com/office/drawing/2014/main" id="{D30A7F64-2DFE-40CE-A33C-F62700C6E440}"/>
+                </a:ext>
+              </a:extLst>
+            </p:cNvPr>
+            <p:cNvSpPr txBox="1"/>
+            <p:nvPr/>
+          </p:nvSpPr>
+          <p:spPr>
+            <a:xfrm>
+              <a:off x="7178908" y="4327579"/>
+              <a:ext cx="309700" cy="369332"/>
+            </a:xfrm>
+            <a:prstGeom prst="rect">
+              <a:avLst/>
+            </a:prstGeom>
+            <a:noFill/>
+          </p:spPr>
+          <p:txBody>
+            <a:bodyPr wrap="none" rtlCol="0">
+              <a:spAutoFit/>
+            </a:bodyPr>
+            <a:lstStyle/>
+            <a:p>
+              <a:pPr marL="0" marR="0" lvl="0" indent="0" algn="l" defTabSz="914400" rtl="0" eaLnBrk="1" fontAlgn="auto" latinLnBrk="0" hangingPunct="1">
+                <a:lnSpc>
+                  <a:spcPct val="100000"/>
+                </a:lnSpc>
+                <a:spcBef>
+                  <a:spcPts val="0"/>
+                </a:spcBef>
+                <a:spcAft>
+                  <a:spcPts val="0"/>
+                </a:spcAft>
+                <a:buClrTx/>
+                <a:buSzTx/>
+                <a:buFontTx/>
+                <a:buNone/>
+                <a:tabLst/>
+                <a:defRPr/>
+              </a:pPr>
+              <a:r>
+                <a:rPr lang="en-US" dirty="0">
+                  <a:solidFill>
+                    <a:prstClr val="black"/>
+                  </a:solidFill>
+                  <a:latin typeface="Calibri"/>
+                </a:rPr>
+                <a:t>B</a:t>
+              </a:r>
+              <a:endParaRPr kumimoji="0" lang="en-US" sz="1800" b="0" i="0" u="none" strike="noStrike" kern="1200" cap="none" spc="0" normalizeH="0" baseline="0" noProof="0" dirty="0">
+                <a:ln>
+                  <a:noFill/>
+                </a:ln>
+                <a:solidFill>
+                  <a:prstClr val="black"/>
+                </a:solidFill>
+                <a:effectLst/>
+                <a:uLnTx/>
+                <a:uFillTx/>
+                <a:latin typeface="Calibri"/>
+                <a:ea typeface="+mn-ea"/>
+                <a:cs typeface="+mn-cs"/>
+              </a:endParaRPr>
+            </a:p>
+          </p:txBody>
+        </p:sp>
+        <p:cxnSp>
+          <p:nvCxnSpPr>
+            <p:cNvPr id="17" name="Straight Connector 16">
+              <a:extLst>
+                <a:ext uri="{FF2B5EF4-FFF2-40B4-BE49-F238E27FC236}">
+                  <a16:creationId xmlns:a16="http://schemas.microsoft.com/office/drawing/2014/main" id="{FD36F8B0-ED36-4E55-A421-3134DA57C792}"/>
+                </a:ext>
+              </a:extLst>
+            </p:cNvPr>
+            <p:cNvCxnSpPr>
+              <a:cxnSpLocks/>
+            </p:cNvCxnSpPr>
+            <p:nvPr/>
+          </p:nvCxnSpPr>
+          <p:spPr>
+            <a:xfrm flipH="1">
+              <a:off x="6103621" y="4929172"/>
+              <a:ext cx="3860" cy="804728"/>
+            </a:xfrm>
+            <a:prstGeom prst="line">
+              <a:avLst/>
+            </a:prstGeom>
+          </p:spPr>
+          <p:style>
+            <a:lnRef idx="1">
+              <a:schemeClr val="accent1"/>
+            </a:lnRef>
+            <a:fillRef idx="0">
+              <a:schemeClr val="accent1"/>
+            </a:fillRef>
+            <a:effectRef idx="0">
+              <a:schemeClr val="accent1"/>
+            </a:effectRef>
+            <a:fontRef idx="minor">
+              <a:schemeClr val="tx1"/>
+            </a:fontRef>
+          </p:style>
+        </p:cxnSp>
+        <p:cxnSp>
+          <p:nvCxnSpPr>
+            <p:cNvPr id="20" name="Straight Connector 19">
+              <a:extLst>
+                <a:ext uri="{FF2B5EF4-FFF2-40B4-BE49-F238E27FC236}">
+                  <a16:creationId xmlns:a16="http://schemas.microsoft.com/office/drawing/2014/main" id="{8F29EF7C-B4F1-4E6D-A974-A0F89E448454}"/>
+                </a:ext>
+              </a:extLst>
+            </p:cNvPr>
+            <p:cNvCxnSpPr>
+              <a:cxnSpLocks/>
+            </p:cNvCxnSpPr>
+            <p:nvPr/>
+          </p:nvCxnSpPr>
+          <p:spPr>
+            <a:xfrm flipH="1">
+              <a:off x="6113146" y="5331536"/>
+              <a:ext cx="1344929" cy="0"/>
+            </a:xfrm>
+            <a:prstGeom prst="line">
+              <a:avLst/>
+            </a:prstGeom>
+          </p:spPr>
+          <p:style>
+            <a:lnRef idx="1">
+              <a:schemeClr val="accent1"/>
+            </a:lnRef>
+            <a:fillRef idx="0">
+              <a:schemeClr val="accent1"/>
+            </a:fillRef>
+            <a:effectRef idx="0">
+              <a:schemeClr val="accent1"/>
+            </a:effectRef>
+            <a:fontRef idx="minor">
+              <a:schemeClr val="tx1"/>
+            </a:fontRef>
+          </p:style>
+        </p:cxnSp>
+        <p:cxnSp>
+          <p:nvCxnSpPr>
+            <p:cNvPr id="22" name="Straight Connector 21">
+              <a:extLst>
+                <a:ext uri="{FF2B5EF4-FFF2-40B4-BE49-F238E27FC236}">
+                  <a16:creationId xmlns:a16="http://schemas.microsoft.com/office/drawing/2014/main" id="{22D49E32-5F38-43A4-98B9-2F0CD4CB75D6}"/>
+                </a:ext>
+              </a:extLst>
+            </p:cNvPr>
+            <p:cNvCxnSpPr>
+              <a:cxnSpLocks/>
+            </p:cNvCxnSpPr>
+            <p:nvPr/>
+          </p:nvCxnSpPr>
+          <p:spPr>
+            <a:xfrm>
+              <a:off x="6840907" y="3612416"/>
+              <a:ext cx="0" cy="2121484"/>
+            </a:xfrm>
+            <a:prstGeom prst="line">
+              <a:avLst/>
+            </a:prstGeom>
+          </p:spPr>
+          <p:style>
+            <a:lnRef idx="1">
+              <a:schemeClr val="accent1"/>
+            </a:lnRef>
+            <a:fillRef idx="0">
+              <a:schemeClr val="accent1"/>
+            </a:fillRef>
+            <a:effectRef idx="0">
+              <a:schemeClr val="accent1"/>
+            </a:effectRef>
+            <a:fontRef idx="minor">
+              <a:schemeClr val="tx1"/>
+            </a:fontRef>
+          </p:style>
+        </p:cxnSp>
+        <p:cxnSp>
+          <p:nvCxnSpPr>
+            <p:cNvPr id="24" name="Straight Connector 23">
+              <a:extLst>
+                <a:ext uri="{FF2B5EF4-FFF2-40B4-BE49-F238E27FC236}">
+                  <a16:creationId xmlns:a16="http://schemas.microsoft.com/office/drawing/2014/main" id="{0F294B5D-4978-4D98-B7B3-A6DF03A30080}"/>
+                </a:ext>
+              </a:extLst>
+            </p:cNvPr>
+            <p:cNvCxnSpPr>
+              <a:cxnSpLocks/>
+            </p:cNvCxnSpPr>
+            <p:nvPr/>
+          </p:nvCxnSpPr>
+          <p:spPr>
+            <a:xfrm flipH="1">
+              <a:off x="7444690" y="4929172"/>
+              <a:ext cx="3860" cy="804728"/>
+            </a:xfrm>
+            <a:prstGeom prst="line">
+              <a:avLst/>
+            </a:prstGeom>
+          </p:spPr>
+          <p:style>
+            <a:lnRef idx="1">
+              <a:schemeClr val="accent1"/>
+            </a:lnRef>
+            <a:fillRef idx="0">
+              <a:schemeClr val="accent1"/>
+            </a:fillRef>
+            <a:effectRef idx="0">
+              <a:schemeClr val="accent1"/>
+            </a:effectRef>
+            <a:fontRef idx="minor">
+              <a:schemeClr val="tx1"/>
+            </a:fontRef>
+          </p:style>
+        </p:cxnSp>
+        <p:cxnSp>
+          <p:nvCxnSpPr>
+            <p:cNvPr id="30" name="Straight Connector 29">
+              <a:extLst>
+                <a:ext uri="{FF2B5EF4-FFF2-40B4-BE49-F238E27FC236}">
+                  <a16:creationId xmlns:a16="http://schemas.microsoft.com/office/drawing/2014/main" id="{C17988FB-6FF6-4225-89BF-415295B7E238}"/>
+                </a:ext>
+              </a:extLst>
+            </p:cNvPr>
+            <p:cNvCxnSpPr>
+              <a:cxnSpLocks/>
+            </p:cNvCxnSpPr>
+            <p:nvPr/>
+          </p:nvCxnSpPr>
+          <p:spPr>
+            <a:xfrm flipH="1" flipV="1">
+              <a:off x="5370195" y="3431753"/>
+              <a:ext cx="1240156" cy="0"/>
+            </a:xfrm>
+            <a:prstGeom prst="line">
+              <a:avLst/>
+            </a:prstGeom>
+          </p:spPr>
+          <p:style>
+            <a:lnRef idx="1">
+              <a:schemeClr val="accent1"/>
+            </a:lnRef>
+            <a:fillRef idx="0">
+              <a:schemeClr val="accent1"/>
+            </a:fillRef>
+            <a:effectRef idx="0">
+              <a:schemeClr val="accent1"/>
+            </a:effectRef>
+            <a:fontRef idx="minor">
+              <a:schemeClr val="tx1"/>
+            </a:fontRef>
+          </p:style>
+        </p:cxnSp>
+        <p:cxnSp>
+          <p:nvCxnSpPr>
+            <p:cNvPr id="33" name="Straight Connector 32">
+              <a:extLst>
+                <a:ext uri="{FF2B5EF4-FFF2-40B4-BE49-F238E27FC236}">
+                  <a16:creationId xmlns:a16="http://schemas.microsoft.com/office/drawing/2014/main" id="{25477428-D6F6-49E7-B914-5E85080AAC2B}"/>
+                </a:ext>
+              </a:extLst>
+            </p:cNvPr>
+            <p:cNvCxnSpPr>
+              <a:cxnSpLocks/>
+            </p:cNvCxnSpPr>
+            <p:nvPr/>
+          </p:nvCxnSpPr>
+          <p:spPr>
+            <a:xfrm>
+              <a:off x="5602604" y="3431039"/>
+              <a:ext cx="0" cy="1420177"/>
+            </a:xfrm>
+            <a:prstGeom prst="line">
+              <a:avLst/>
+            </a:prstGeom>
+          </p:spPr>
+          <p:style>
+            <a:lnRef idx="1">
+              <a:schemeClr val="accent1"/>
+            </a:lnRef>
+            <a:fillRef idx="0">
+              <a:schemeClr val="accent1"/>
+            </a:fillRef>
+            <a:effectRef idx="0">
+              <a:schemeClr val="accent1"/>
+            </a:effectRef>
+            <a:fontRef idx="minor">
+              <a:schemeClr val="tx1"/>
+            </a:fontRef>
+          </p:style>
+        </p:cxnSp>
+        <p:sp>
+          <p:nvSpPr>
+            <p:cNvPr id="18" name="TextBox 17">
+              <a:extLst>
+                <a:ext uri="{FF2B5EF4-FFF2-40B4-BE49-F238E27FC236}">
+                  <a16:creationId xmlns:a16="http://schemas.microsoft.com/office/drawing/2014/main" id="{AE4B1081-0487-4208-A320-D277CE249ED5}"/>
+                </a:ext>
+              </a:extLst>
+            </p:cNvPr>
+            <p:cNvSpPr txBox="1"/>
+            <p:nvPr/>
+          </p:nvSpPr>
+          <p:spPr>
+            <a:xfrm>
+              <a:off x="5217983" y="3944035"/>
+              <a:ext cx="755909" cy="369332"/>
+            </a:xfrm>
+            <a:prstGeom prst="rect">
+              <a:avLst/>
+            </a:prstGeom>
+            <a:solidFill>
+              <a:schemeClr val="bg1"/>
+            </a:solidFill>
+          </p:spPr>
+          <p:txBody>
+            <a:bodyPr wrap="square" rtlCol="0">
+              <a:spAutoFit/>
+            </a:bodyPr>
+            <a:lstStyle/>
+            <a:p>
+              <a:pPr marL="0" marR="0" lvl="0" indent="0" algn="l" defTabSz="914400" rtl="0" eaLnBrk="1" fontAlgn="auto" latinLnBrk="0" hangingPunct="1">
+                <a:lnSpc>
+                  <a:spcPct val="100000"/>
+                </a:lnSpc>
+                <a:spcBef>
+                  <a:spcPts val="0"/>
+                </a:spcBef>
+                <a:spcAft>
+                  <a:spcPts val="0"/>
+                </a:spcAft>
+                <a:buClrTx/>
+                <a:buSzTx/>
+                <a:buFontTx/>
+                <a:buNone/>
+                <a:tabLst/>
+                <a:defRPr/>
+              </a:pPr>
+              <a:r>
+                <a:rPr lang="en-US" dirty="0">
+                  <a:solidFill>
+                    <a:srgbClr val="4F81BD"/>
+                  </a:solidFill>
+                  <a:latin typeface="Calibri"/>
+                </a:rPr>
+                <a:t>18 in</a:t>
+              </a:r>
+              <a:endParaRPr kumimoji="0" lang="en-US" sz="1800" b="0" i="0" u="none" strike="noStrike" kern="1200" cap="none" spc="0" normalizeH="0" baseline="0" noProof="0" dirty="0">
+                <a:ln>
+                  <a:noFill/>
+                </a:ln>
+                <a:solidFill>
+                  <a:srgbClr val="4F81BD"/>
+                </a:solidFill>
+                <a:effectLst/>
+                <a:uLnTx/>
+                <a:uFillTx/>
+                <a:latin typeface="Calibri"/>
+                <a:ea typeface="+mn-ea"/>
+                <a:cs typeface="+mn-cs"/>
+              </a:endParaRPr>
+            </a:p>
+          </p:txBody>
+        </p:sp>
+        <p:sp>
+          <p:nvSpPr>
+            <p:cNvPr id="35" name="TextBox 34">
+              <a:extLst>
+                <a:ext uri="{FF2B5EF4-FFF2-40B4-BE49-F238E27FC236}">
+                  <a16:creationId xmlns:a16="http://schemas.microsoft.com/office/drawing/2014/main" id="{C0590117-BCFD-4542-8D16-E8DE568AE979}"/>
+                </a:ext>
+              </a:extLst>
+            </p:cNvPr>
+            <p:cNvSpPr txBox="1"/>
+            <p:nvPr/>
+          </p:nvSpPr>
+          <p:spPr>
+            <a:xfrm rot="5400000">
+              <a:off x="6076209" y="5227230"/>
+              <a:ext cx="755909" cy="369332"/>
+            </a:xfrm>
+            <a:prstGeom prst="rect">
+              <a:avLst/>
+            </a:prstGeom>
+            <a:solidFill>
+              <a:schemeClr val="bg2">
+                <a:lumMod val="90000"/>
+              </a:schemeClr>
+            </a:solidFill>
+          </p:spPr>
+          <p:txBody>
+            <a:bodyPr wrap="square" rtlCol="0">
+              <a:spAutoFit/>
+            </a:bodyPr>
+            <a:lstStyle/>
+            <a:p>
+              <a:pPr marL="0" marR="0" lvl="0" indent="0" algn="l" defTabSz="914400" rtl="0" eaLnBrk="1" fontAlgn="auto" latinLnBrk="0" hangingPunct="1">
+                <a:lnSpc>
+                  <a:spcPct val="100000"/>
+                </a:lnSpc>
+                <a:spcBef>
+                  <a:spcPts val="0"/>
+                </a:spcBef>
+                <a:spcAft>
+                  <a:spcPts val="0"/>
+                </a:spcAft>
+                <a:buClrTx/>
+                <a:buSzTx/>
+                <a:buFontTx/>
+                <a:buNone/>
+                <a:tabLst/>
+                <a:defRPr/>
+              </a:pPr>
+              <a:r>
+                <a:rPr lang="en-US" dirty="0">
+                  <a:solidFill>
+                    <a:srgbClr val="4F81BD"/>
+                  </a:solidFill>
+                  <a:latin typeface="Calibri"/>
+                </a:rPr>
+                <a:t>10 in</a:t>
+              </a:r>
+              <a:endParaRPr kumimoji="0" lang="en-US" sz="1800" b="0" i="0" u="none" strike="noStrike" kern="1200" cap="none" spc="0" normalizeH="0" baseline="0" noProof="0" dirty="0">
+                <a:ln>
+                  <a:noFill/>
+                </a:ln>
+                <a:solidFill>
+                  <a:srgbClr val="4F81BD"/>
+                </a:solidFill>
+                <a:effectLst/>
+                <a:uLnTx/>
+                <a:uFillTx/>
+                <a:latin typeface="Calibri"/>
+                <a:ea typeface="+mn-ea"/>
+                <a:cs typeface="+mn-cs"/>
+              </a:endParaRPr>
+            </a:p>
+          </p:txBody>
+        </p:sp>
+        <p:sp>
+          <p:nvSpPr>
+            <p:cNvPr id="36" name="TextBox 35">
+              <a:extLst>
+                <a:ext uri="{FF2B5EF4-FFF2-40B4-BE49-F238E27FC236}">
+                  <a16:creationId xmlns:a16="http://schemas.microsoft.com/office/drawing/2014/main" id="{38381929-CA50-4364-9CC1-FB9AC7C1CF7C}"/>
+                </a:ext>
+              </a:extLst>
+            </p:cNvPr>
+            <p:cNvSpPr txBox="1"/>
+            <p:nvPr/>
+          </p:nvSpPr>
+          <p:spPr>
+            <a:xfrm rot="5400000">
+              <a:off x="6772378" y="5241652"/>
+              <a:ext cx="755909" cy="369332"/>
+            </a:xfrm>
+            <a:prstGeom prst="rect">
+              <a:avLst/>
+            </a:prstGeom>
+            <a:solidFill>
+              <a:schemeClr val="bg2">
+                <a:lumMod val="90000"/>
+              </a:schemeClr>
+            </a:solidFill>
+          </p:spPr>
+          <p:txBody>
+            <a:bodyPr wrap="square" rtlCol="0">
+              <a:spAutoFit/>
+            </a:bodyPr>
+            <a:lstStyle/>
+            <a:p>
+              <a:pPr marL="0" marR="0" lvl="0" indent="0" algn="l" defTabSz="914400" rtl="0" eaLnBrk="1" fontAlgn="auto" latinLnBrk="0" hangingPunct="1">
+                <a:lnSpc>
+                  <a:spcPct val="100000"/>
+                </a:lnSpc>
+                <a:spcBef>
+                  <a:spcPts val="0"/>
+                </a:spcBef>
+                <a:spcAft>
+                  <a:spcPts val="0"/>
+                </a:spcAft>
+                <a:buClrTx/>
+                <a:buSzTx/>
+                <a:buFontTx/>
+                <a:buNone/>
+                <a:tabLst/>
+                <a:defRPr/>
+              </a:pPr>
+              <a:r>
+                <a:rPr lang="en-US" dirty="0">
+                  <a:solidFill>
+                    <a:srgbClr val="4F81BD"/>
+                  </a:solidFill>
+                  <a:latin typeface="Calibri"/>
+                </a:rPr>
+                <a:t>8 in</a:t>
+              </a:r>
+              <a:endParaRPr kumimoji="0" lang="en-US" sz="1800" b="0" i="0" u="none" strike="noStrike" kern="1200" cap="none" spc="0" normalizeH="0" baseline="0" noProof="0" dirty="0">
+                <a:ln>
+                  <a:noFill/>
+                </a:ln>
+                <a:solidFill>
+                  <a:srgbClr val="4F81BD"/>
+                </a:solidFill>
+                <a:effectLst/>
+                <a:uLnTx/>
+                <a:uFillTx/>
+                <a:latin typeface="Calibri"/>
+                <a:ea typeface="+mn-ea"/>
+                <a:cs typeface="+mn-cs"/>
+              </a:endParaRPr>
+            </a:p>
+          </p:txBody>
+        </p:sp>
+      </p:grpSp>
+      <p:sp>
+        <p:nvSpPr>
+          <p:cNvPr id="38" name="Frame 37">
+            <a:extLst>
+              <a:ext uri="{FF2B5EF4-FFF2-40B4-BE49-F238E27FC236}">
+                <a16:creationId xmlns:a16="http://schemas.microsoft.com/office/drawing/2014/main" id="{407133F9-51F0-47DE-9863-DF46C6A49690}"/>
+              </a:ext>
+            </a:extLst>
+          </p:cNvPr>
+          <p:cNvSpPr/>
+          <p:nvPr/>
+        </p:nvSpPr>
+        <p:spPr>
+          <a:xfrm>
+            <a:off x="3657599" y="685800"/>
+            <a:ext cx="6096001" cy="6172198"/>
+          </a:xfrm>
+          <a:prstGeom prst="frame">
+            <a:avLst>
+              <a:gd name="adj1" fmla="val 19550"/>
+            </a:avLst>
+          </a:prstGeom>
+          <a:ln>
+            <a:solidFill>
+              <a:schemeClr val="bg1"/>
+            </a:solidFill>
+          </a:ln>
+          <a:effectLst>
+            <a:softEdge rad="127000"/>
+          </a:effectLst>
+        </p:spPr>
+        <p:style>
+          <a:lnRef idx="2">
+            <a:schemeClr val="dk1"/>
+          </a:lnRef>
+          <a:fillRef idx="1">
+            <a:schemeClr val="lt1"/>
+          </a:fillRef>
+          <a:effectRef idx="0">
+            <a:schemeClr val="dk1"/>
+          </a:effectRef>
+          <a:fontRef idx="minor">
+            <a:schemeClr val="dk1"/>
+          </a:fontRef>
+        </p:style>
+        <p:txBody>
+          <a:bodyPr rtlCol="0" anchor="ctr"/>
+          <a:lstStyle/>
+          <a:p>
+            <a:pPr marL="0" marR="0" lvl="0" indent="0" algn="ctr" defTabSz="914400" rtl="0" eaLnBrk="1" fontAlgn="auto" latinLnBrk="0" hangingPunct="1">
+              <a:lnSpc>
+                <a:spcPct val="100000"/>
+              </a:lnSpc>
+              <a:spcBef>
+                <a:spcPts val="0"/>
+              </a:spcBef>
+              <a:spcAft>
+                <a:spcPts val="0"/>
+              </a:spcAft>
+              <a:buClrTx/>
+              <a:buSzTx/>
+              <a:buFontTx/>
+              <a:buNone/>
+              <a:tabLst/>
+              <a:defRPr/>
+            </a:pPr>
+            <a:endParaRPr kumimoji="0" lang="en-US" sz="1800" b="0" i="0" u="none" strike="noStrike" kern="1200" cap="none" spc="0" normalizeH="0" baseline="0" noProof="0">
+              <a:ln>
+                <a:noFill/>
+              </a:ln>
+              <a:solidFill>
+                <a:prstClr val="black"/>
+              </a:solidFill>
+              <a:effectLst/>
+              <a:uLnTx/>
+              <a:uFillTx/>
+              <a:latin typeface="Calibri"/>
+              <a:ea typeface="+mn-ea"/>
+              <a:cs typeface="+mn-cs"/>
+            </a:endParaRPr>
+          </a:p>
+        </p:txBody>
+      </p:sp>
+      <p:sp>
+        <p:nvSpPr>
+          <p:cNvPr id="2" name="Title 1">
+            <a:extLst>
+              <a:ext uri="{FF2B5EF4-FFF2-40B4-BE49-F238E27FC236}">
+                <a16:creationId xmlns:a16="http://schemas.microsoft.com/office/drawing/2014/main" id="{C73D4563-9E4F-453D-B690-77C4890DF3E2}"/>
+              </a:ext>
+            </a:extLst>
+          </p:cNvPr>
+          <p:cNvSpPr>
+            <a:spLocks noGrp="1"/>
+          </p:cNvSpPr>
+          <p:nvPr>
+            <p:ph type="title"/>
+          </p:nvPr>
+        </p:nvSpPr>
+        <p:spPr/>
+        <p:txBody>
+          <a:bodyPr/>
+          <a:lstStyle/>
+          <a:p>
+            <a:r>
+              <a:rPr lang="en-US" dirty="0"/>
+              <a:t>Friction Worked Example </a:t>
+            </a:r>
+          </a:p>
+        </p:txBody>
+      </p:sp>
+      <p:sp>
+        <p:nvSpPr>
+          <p:cNvPr id="3" name="Content Placeholder 2">
+            <a:extLst>
+              <a:ext uri="{FF2B5EF4-FFF2-40B4-BE49-F238E27FC236}">
+                <a16:creationId xmlns:a16="http://schemas.microsoft.com/office/drawing/2014/main" id="{03A55CB7-990E-403B-B987-FE5E0401FE38}"/>
+              </a:ext>
+            </a:extLst>
+          </p:cNvPr>
+          <p:cNvSpPr>
+            <a:spLocks noGrp="1"/>
+          </p:cNvSpPr>
+          <p:nvPr>
+            <p:ph idx="1"/>
+          </p:nvPr>
+        </p:nvSpPr>
+        <p:spPr>
+          <a:xfrm>
+            <a:off x="457199" y="1600200"/>
+            <a:ext cx="4207273" cy="4983162"/>
+          </a:xfrm>
+        </p:spPr>
+        <p:txBody>
+          <a:bodyPr>
+            <a:normAutofit fontScale="85000" lnSpcReduction="20000"/>
+          </a:bodyPr>
+          <a:lstStyle/>
+          <a:p>
+            <a:r>
+              <a:rPr lang="en-US" dirty="0"/>
+              <a:t>A cabinet with a weight of 30 lbs is sitting on a 15</a:t>
+            </a:r>
+            <a:r>
+              <a:rPr lang="en-US" baseline="30000" dirty="0"/>
+              <a:t>o</a:t>
+            </a:r>
+            <a:r>
+              <a:rPr lang="en-US" dirty="0"/>
+              <a:t> incline as shown the right. The cabinet has a pair of rubber feet at the front (A), and a pair of frictionless wheels at the back (B). What is the minimum value for the static coefficient of friction for the rubber feet at the front to ensure the cabinet does not roll down the incline?</a:t>
+            </a:r>
+          </a:p>
+        </p:txBody>
+      </p:sp>
+      <p:sp>
+        <p:nvSpPr>
+          <p:cNvPr id="4" name="Slide Number Placeholder 3">
+            <a:extLst>
+              <a:ext uri="{FF2B5EF4-FFF2-40B4-BE49-F238E27FC236}">
+                <a16:creationId xmlns:a16="http://schemas.microsoft.com/office/drawing/2014/main" id="{BEC10D80-6417-4B44-9262-D6E237B355EB}"/>
+              </a:ext>
+            </a:extLst>
+          </p:cNvPr>
+          <p:cNvSpPr>
+            <a:spLocks noGrp="1"/>
+          </p:cNvSpPr>
+          <p:nvPr>
+            <p:ph type="sldNum" sz="quarter" idx="12"/>
+          </p:nvPr>
+        </p:nvSpPr>
+        <p:spPr/>
+        <p:txBody>
+          <a:bodyPr/>
+          <a:lstStyle/>
+          <a:p>
+            <a:fld id="{929262FE-7F58-4A1E-8AF3-5A510A86DEBD}" type="slidenum">
+              <a:rPr lang="en-US" smtClean="0"/>
+              <a:t>12</a:t>
+            </a:fld>
+            <a:endParaRPr lang="en-US"/>
+          </a:p>
+        </p:txBody>
+      </p:sp>
+    </p:spTree>
+    <p:extLst>
+      <p:ext uri="{BB962C8B-B14F-4D97-AF65-F5344CB8AC3E}">
+        <p14:creationId xmlns:p14="http://schemas.microsoft.com/office/powerpoint/2010/main" val="623455043"/>
       </p:ext>
     </p:extLst>
   </p:cSld>
@@ -8517,8 +10936,8 @@
           </a:fontRef>
         </p:style>
       </p:cxnSp>
-      <mc:AlternateContent xmlns:mc="http://schemas.openxmlformats.org/markup-compatibility/2006">
-        <mc:Choice xmlns:a14="http://schemas.microsoft.com/office/drawing/2010/main" Requires="a14">
+      <mc:AlternateContent xmlns:mc="http://schemas.openxmlformats.org/markup-compatibility/2006" xmlns:a14="http://schemas.microsoft.com/office/drawing/2010/main">
+        <mc:Choice Requires="a14">
           <p:sp>
             <p:nvSpPr>
               <p:cNvPr id="35" name="Rectangle 34">
@@ -8601,7 +11020,7 @@
             </p:txBody>
           </p:sp>
         </mc:Choice>
-        <mc:Fallback>
+        <mc:Fallback xmlns="">
           <p:sp>
             <p:nvSpPr>
               <p:cNvPr id="35" name="Rectangle 34">
@@ -11421,7 +13840,7 @@
           <a:p>
             <a:r>
               <a:rPr lang="en-US" dirty="0"/>
-              <a:t>Friction Practice Problem</a:t>
+              <a:t>Friction Worked Example </a:t>
             </a:r>
           </a:p>
         </p:txBody>
@@ -12111,6 +14530,21 @@
 </file>
 
 <file path=customXml/item1.xml><?xml version="1.0" encoding="utf-8"?>
+<?mso-contentType ?>
+<FormTemplates xmlns="http://schemas.microsoft.com/sharepoint/v3/contenttype/forms">
+  <Display>DocumentLibraryForm</Display>
+  <Edit>DocumentLibraryForm</Edit>
+  <New>DocumentLibraryForm</New>
+</FormTemplates>
+</file>
+
+<file path=customXml/item2.xml><?xml version="1.0" encoding="utf-8"?>
+<p:properties xmlns:p="http://schemas.microsoft.com/office/2006/metadata/properties" xmlns:xsi="http://www.w3.org/2001/XMLSchema-instance" xmlns:pc="http://schemas.microsoft.com/office/infopath/2007/PartnerControls">
+  <documentManagement/>
+</p:properties>
+</file>
+
+<file path=customXml/item3.xml><?xml version="1.0" encoding="utf-8"?>
 <ct:contentTypeSchema xmlns:ct="http://schemas.microsoft.com/office/2006/metadata/contentType" xmlns:ma="http://schemas.microsoft.com/office/2006/metadata/properties/metaAttributes" ct:_="" ma:_="" ma:contentTypeName="Document" ma:contentTypeID="0x010100A06DF21F5BB2734A800ED30F3F452129" ma:contentTypeVersion="12" ma:contentTypeDescription="Create a new document." ma:contentTypeScope="" ma:versionID="544d96a5fbac5de9d5d902b535c73fb2">
   <xsd:schema xmlns:xsd="http://www.w3.org/2001/XMLSchema" xmlns:xs="http://www.w3.org/2001/XMLSchema" xmlns:p="http://schemas.microsoft.com/office/2006/metadata/properties" xmlns:ns3="90d05cb5-950f-4f68-bc2c-e17794455b92" xmlns:ns4="b4eab9fa-dbb0-4082-8491-8bd54207a265" targetNamespace="http://schemas.microsoft.com/office/2006/metadata/properties" ma:root="true" ma:fieldsID="7a710efc71c2169bf9c05e5a40dddf12" ns3:_="" ns4:_="">
     <xsd:import namespace="90d05cb5-950f-4f68-bc2c-e17794455b92"/>
@@ -12327,22 +14761,24 @@
 </ct:contentTypeSchema>
 </file>
 
-<file path=customXml/item2.xml><?xml version="1.0" encoding="utf-8"?>
-<p:properties xmlns:p="http://schemas.microsoft.com/office/2006/metadata/properties" xmlns:xsi="http://www.w3.org/2001/XMLSchema-instance" xmlns:pc="http://schemas.microsoft.com/office/infopath/2007/PartnerControls">
-  <documentManagement/>
-</p:properties>
+<file path=customXml/itemProps1.xml><?xml version="1.0" encoding="utf-8"?>
+<ds:datastoreItem xmlns:ds="http://schemas.openxmlformats.org/officeDocument/2006/customXml" ds:itemID="{F5CF5F32-56DC-4068-8B04-457CF34A96F3}">
+  <ds:schemaRefs>
+    <ds:schemaRef ds:uri="http://schemas.microsoft.com/sharepoint/v3/contenttype/forms"/>
+  </ds:schemaRefs>
+</ds:datastoreItem>
 </file>
 
-<file path=customXml/item3.xml><?xml version="1.0" encoding="utf-8"?>
-<?mso-contentType ?>
-<FormTemplates xmlns="http://schemas.microsoft.com/sharepoint/v3/contenttype/forms">
-  <Display>DocumentLibraryForm</Display>
-  <Edit>DocumentLibraryForm</Edit>
-  <New>DocumentLibraryForm</New>
-</FormTemplates>
+<file path=customXml/itemProps2.xml><?xml version="1.0" encoding="utf-8"?>
+<ds:datastoreItem xmlns:ds="http://schemas.openxmlformats.org/officeDocument/2006/customXml" ds:itemID="{52EB1464-66D1-425A-BBB5-7A9312BBE9C4}">
+  <ds:schemaRefs>
+    <ds:schemaRef ds:uri="http://schemas.microsoft.com/office/2006/metadata/properties"/>
+    <ds:schemaRef ds:uri="http://schemas.microsoft.com/office/infopath/2007/PartnerControls"/>
+  </ds:schemaRefs>
+</ds:datastoreItem>
 </file>
 
-<file path=customXml/itemProps1.xml><?xml version="1.0" encoding="utf-8"?>
+<file path=customXml/itemProps3.xml><?xml version="1.0" encoding="utf-8"?>
 <ds:datastoreItem xmlns:ds="http://schemas.openxmlformats.org/officeDocument/2006/customXml" ds:itemID="{A43B8A4B-79FE-4529-931C-D64224FA70E3}">
   <ds:schemaRefs>
     <ds:schemaRef ds:uri="http://schemas.microsoft.com/office/2006/metadata/contentType"/>
@@ -12359,21 +14795,4 @@
     <ds:schemaRef ds:uri="http://schemas.microsoft.com/internal/obd"/>
   </ds:schemaRefs>
 </ds:datastoreItem>
-</file>
-
-<file path=customXml/itemProps2.xml><?xml version="1.0" encoding="utf-8"?>
-<ds:datastoreItem xmlns:ds="http://schemas.openxmlformats.org/officeDocument/2006/customXml" ds:itemID="{52EB1464-66D1-425A-BBB5-7A9312BBE9C4}">
-  <ds:schemaRefs>
-    <ds:schemaRef ds:uri="http://schemas.microsoft.com/office/2006/metadata/properties"/>
-    <ds:schemaRef ds:uri="http://schemas.microsoft.com/office/infopath/2007/PartnerControls"/>
-  </ds:schemaRefs>
-</ds:datastoreItem>
-</file>
-
-<file path=customXml/itemProps3.xml><?xml version="1.0" encoding="utf-8"?>
-<ds:datastoreItem xmlns:ds="http://schemas.openxmlformats.org/officeDocument/2006/customXml" ds:itemID="{F5CF5F32-56DC-4068-8B04-457CF34A96F3}">
-  <ds:schemaRefs>
-    <ds:schemaRef ds:uri="http://schemas.microsoft.com/sharepoint/v3/contenttype/forms"/>
-  </ds:schemaRefs>
-</ds:datastoreItem>
 </file>